--- a/Documentação/Status Report/status-report-grupo5.pptx
+++ b/Documentação/Status Report/status-report-grupo5.pptx
@@ -38,7 +38,7 @@
       </p:grpSpPr>
       <p:sp>
         <p:nvSpPr>
-          <p:cNvPr id="127" name="PlaceHolder 1"/>
+          <p:cNvPr id="124" name="PlaceHolder 1"/>
           <p:cNvSpPr>
             <a:spLocks noGrp="1"/>
           </p:cNvSpPr>
@@ -60,27 +60,22 @@
             <a:noAutofit/>
           </a:bodyPr>
           <a:p>
+            <a:pPr algn="ctr"/>
             <a:r>
-              <a:rPr b="0" lang="pt-BR" sz="2100" spc="-1" strike="noStrike">
-                <a:solidFill>
-                  <a:srgbClr val="000000"/>
-                </a:solidFill>
-                <a:latin typeface="Calibri"/>
+              <a:rPr b="0" lang="pt-BR" sz="4400" spc="-1" strike="noStrike">
+                <a:latin typeface="Arial"/>
               </a:rPr>
               <a:t>Clique para mover o slide</a:t>
             </a:r>
-            <a:endParaRPr b="0" lang="pt-BR" sz="2100" spc="-1" strike="noStrike">
-              <a:solidFill>
-                <a:srgbClr val="000000"/>
-              </a:solidFill>
-              <a:latin typeface="Calibri"/>
-            </a:endParaRPr>
-          </a:p>
-        </p:txBody>
-      </p:sp>
-      <p:sp>
-        <p:nvSpPr>
-          <p:cNvPr id="128" name="PlaceHolder 2"/>
+            <a:endParaRPr b="0" lang="pt-BR" sz="4400" spc="-1" strike="noStrike">
+              <a:latin typeface="Arial"/>
+            </a:endParaRPr>
+          </a:p>
+        </p:txBody>
+      </p:sp>
+      <p:sp>
+        <p:nvSpPr>
+          <p:cNvPr id="125" name="PlaceHolder 2"/>
           <p:cNvSpPr>
             <a:spLocks noGrp="1"/>
           </p:cNvSpPr>
@@ -116,7 +111,7 @@
       </p:sp>
       <p:sp>
         <p:nvSpPr>
-          <p:cNvPr id="129" name="PlaceHolder 3"/>
+          <p:cNvPr id="126" name="PlaceHolder 3"/>
           <p:cNvSpPr>
             <a:spLocks noGrp="1"/>
           </p:cNvSpPr>
@@ -152,7 +147,7 @@
       </p:sp>
       <p:sp>
         <p:nvSpPr>
-          <p:cNvPr id="130" name="PlaceHolder 4"/>
+          <p:cNvPr id="127" name="PlaceHolder 4"/>
           <p:cNvSpPr>
             <a:spLocks noGrp="1"/>
           </p:cNvSpPr>
@@ -189,7 +184,7 @@
       </p:sp>
       <p:sp>
         <p:nvSpPr>
-          <p:cNvPr id="131" name="PlaceHolder 5"/>
+          <p:cNvPr id="128" name="PlaceHolder 5"/>
           <p:cNvSpPr>
             <a:spLocks noGrp="1"/>
           </p:cNvSpPr>
@@ -225,7 +220,7 @@
       </p:sp>
       <p:sp>
         <p:nvSpPr>
-          <p:cNvPr id="132" name="PlaceHolder 6"/>
+          <p:cNvPr id="129" name="PlaceHolder 6"/>
           <p:cNvSpPr>
             <a:spLocks noGrp="1"/>
           </p:cNvSpPr>
@@ -248,7 +243,7 @@
           </a:bodyPr>
           <a:p>
             <a:pPr algn="r"/>
-            <a:fld id="{AD6CAF9E-9E21-49EA-96E6-C7BEC2420A77}" type="slidenum">
+            <a:fld id="{34AE369D-31A1-40A5-9B4E-B17BD7426E7F}" type="slidenum">
               <a:rPr b="0" lang="pt-BR" sz="1400" spc="-1" strike="noStrike">
                 <a:latin typeface="Times New Roman"/>
               </a:rPr>
@@ -285,7 +280,7 @@
       </p:grpSpPr>
       <p:sp>
         <p:nvSpPr>
-          <p:cNvPr id="157" name="PlaceHolder 1"/>
+          <p:cNvPr id="154" name="PlaceHolder 1"/>
           <p:cNvSpPr>
             <a:spLocks noGrp="1"/>
           </p:cNvSpPr>
@@ -296,16 +291,16 @@
         <p:spPr>
           <a:xfrm>
             <a:off x="141120" y="768240"/>
-            <a:ext cx="6821280" cy="3836520"/>
-          </a:xfrm>
-          <a:prstGeom prst="rect">
-            <a:avLst/>
-          </a:prstGeom>
-        </p:spPr>
-      </p:sp>
-      <p:sp>
-        <p:nvSpPr>
-          <p:cNvPr id="158" name="PlaceHolder 2"/>
+            <a:ext cx="6820920" cy="3836160"/>
+          </a:xfrm>
+          <a:prstGeom prst="rect">
+            <a:avLst/>
+          </a:prstGeom>
+        </p:spPr>
+      </p:sp>
+      <p:sp>
+        <p:nvSpPr>
+          <p:cNvPr id="155" name="PlaceHolder 2"/>
           <p:cNvSpPr>
             <a:spLocks noGrp="1"/>
           </p:cNvSpPr>
@@ -316,7 +311,7 @@
         <p:spPr>
           <a:xfrm>
             <a:off x="710280" y="4861440"/>
-            <a:ext cx="5682960" cy="4605120"/>
+            <a:ext cx="5682600" cy="4604760"/>
           </a:xfrm>
           <a:prstGeom prst="rect">
             <a:avLst/>
@@ -335,14 +330,14 @@
       </p:sp>
       <p:sp>
         <p:nvSpPr>
-          <p:cNvPr id="159" name="TextShape 3"/>
-          <p:cNvSpPr txBox="1"/>
+          <p:cNvPr id="156" name="CustomShape 3"/>
+          <p:cNvSpPr/>
           <p:nvPr/>
         </p:nvSpPr>
         <p:spPr>
           <a:xfrm>
             <a:off x="4024080" y="9721080"/>
-            <a:ext cx="3078000" cy="511200"/>
+            <a:ext cx="3077640" cy="510840"/>
           </a:xfrm>
           <a:prstGeom prst="rect">
             <a:avLst/>
@@ -352,6 +347,12 @@
             <a:noFill/>
           </a:ln>
         </p:spPr>
+        <p:style>
+          <a:lnRef idx="0"/>
+          <a:fillRef idx="0"/>
+          <a:effectRef idx="0"/>
+          <a:fontRef idx="minor"/>
+        </p:style>
         <p:txBody>
           <a:bodyPr lIns="99000" rIns="99000" tIns="49680" bIns="49680" anchor="b">
             <a:noAutofit/>
@@ -362,7 +363,7 @@
                 <a:spcPct val="100000"/>
               </a:lnSpc>
             </a:pPr>
-            <a:fld id="{92A51AB9-4404-48AE-B75C-02D5D66BB93D}" type="slidenum">
+            <a:fld id="{96A2F9F3-2F48-4EB5-92CD-D82D5CAFFB65}" type="slidenum">
               <a:rPr b="0" lang="pt-BR" sz="1300" spc="-1" strike="noStrike">
                 <a:solidFill>
                   <a:srgbClr val="000000"/>
@@ -373,7 +374,7 @@
               <a:t>&lt;número&gt;</a:t>
             </a:fld>
             <a:endParaRPr b="0" lang="pt-BR" sz="1300" spc="-1" strike="noStrike">
-              <a:latin typeface="Times New Roman"/>
+              <a:latin typeface="Arial"/>
             </a:endParaRPr>
           </a:p>
         </p:txBody>
@@ -402,7 +403,7 @@
       </p:grpSpPr>
       <p:sp>
         <p:nvSpPr>
-          <p:cNvPr id="160" name="PlaceHolder 1"/>
+          <p:cNvPr id="157" name="PlaceHolder 1"/>
           <p:cNvSpPr>
             <a:spLocks noGrp="1"/>
           </p:cNvSpPr>
@@ -413,16 +414,16 @@
         <p:spPr>
           <a:xfrm>
             <a:off x="141120" y="768240"/>
-            <a:ext cx="6821280" cy="3836520"/>
-          </a:xfrm>
-          <a:prstGeom prst="rect">
-            <a:avLst/>
-          </a:prstGeom>
-        </p:spPr>
-      </p:sp>
-      <p:sp>
-        <p:nvSpPr>
-          <p:cNvPr id="161" name="PlaceHolder 2"/>
+            <a:ext cx="6820920" cy="3836160"/>
+          </a:xfrm>
+          <a:prstGeom prst="rect">
+            <a:avLst/>
+          </a:prstGeom>
+        </p:spPr>
+      </p:sp>
+      <p:sp>
+        <p:nvSpPr>
+          <p:cNvPr id="158" name="PlaceHolder 2"/>
           <p:cNvSpPr>
             <a:spLocks noGrp="1"/>
           </p:cNvSpPr>
@@ -433,7 +434,7 @@
         <p:spPr>
           <a:xfrm>
             <a:off x="710280" y="4861440"/>
-            <a:ext cx="5682960" cy="4605120"/>
+            <a:ext cx="5682600" cy="4604760"/>
           </a:xfrm>
           <a:prstGeom prst="rect">
             <a:avLst/>
@@ -452,14 +453,14 @@
       </p:sp>
       <p:sp>
         <p:nvSpPr>
-          <p:cNvPr id="162" name="TextShape 3"/>
-          <p:cNvSpPr txBox="1"/>
+          <p:cNvPr id="159" name="CustomShape 3"/>
+          <p:cNvSpPr/>
           <p:nvPr/>
         </p:nvSpPr>
         <p:spPr>
           <a:xfrm>
             <a:off x="4024080" y="9721080"/>
-            <a:ext cx="3078000" cy="511200"/>
+            <a:ext cx="3077640" cy="510840"/>
           </a:xfrm>
           <a:prstGeom prst="rect">
             <a:avLst/>
@@ -469,6 +470,12 @@
             <a:noFill/>
           </a:ln>
         </p:spPr>
+        <p:style>
+          <a:lnRef idx="0"/>
+          <a:fillRef idx="0"/>
+          <a:effectRef idx="0"/>
+          <a:fontRef idx="minor"/>
+        </p:style>
         <p:txBody>
           <a:bodyPr lIns="99000" rIns="99000" tIns="49680" bIns="49680" anchor="b">
             <a:noAutofit/>
@@ -479,7 +486,7 @@
                 <a:spcPct val="100000"/>
               </a:lnSpc>
             </a:pPr>
-            <a:fld id="{29ADFACF-F041-44F0-AE8D-8EF0D6FF17A7}" type="slidenum">
+            <a:fld id="{8DF274E3-A994-4043-9D13-274F3B040BFD}" type="slidenum">
               <a:rPr b="0" lang="pt-BR" sz="1300" spc="-1" strike="noStrike">
                 <a:solidFill>
                   <a:srgbClr val="000000"/>
@@ -490,7 +497,7 @@
               <a:t>&lt;número&gt;</a:t>
             </a:fld>
             <a:endParaRPr b="0" lang="pt-BR" sz="1300" spc="-1" strike="noStrike">
-              <a:latin typeface="Times New Roman"/>
+              <a:latin typeface="Arial"/>
             </a:endParaRPr>
           </a:p>
         </p:txBody>
@@ -551,8 +558,8 @@
         </p:nvSpPr>
         <p:spPr>
           <a:xfrm>
-            <a:off x="672120" y="248040"/>
-            <a:ext cx="12098160" cy="977400"/>
+            <a:off x="672120" y="301680"/>
+            <a:ext cx="12098160" cy="1262160"/>
           </a:xfrm>
           <a:prstGeom prst="rect">
             <a:avLst/>
@@ -563,11 +570,9 @@
             <a:noAutofit/>
           </a:bodyPr>
           <a:p>
-            <a:endParaRPr b="0" lang="pt-BR" sz="2100" spc="-1" strike="noStrike">
-              <a:solidFill>
-                <a:srgbClr val="000000"/>
-              </a:solidFill>
-              <a:latin typeface="Calibri"/>
+            <a:pPr algn="ctr"/>
+            <a:endParaRPr b="0" lang="pt-BR" sz="4400" spc="-1" strike="noStrike">
+              <a:latin typeface="Arial"/>
             </a:endParaRPr>
           </a:p>
         </p:txBody>
@@ -596,11 +601,8 @@
             <a:normAutofit/>
           </a:bodyPr>
           <a:p>
-            <a:endParaRPr b="0" lang="pt-BR" sz="3700" spc="-1" strike="noStrike">
-              <a:solidFill>
-                <a:srgbClr val="000000"/>
-              </a:solidFill>
-              <a:latin typeface="Calibri"/>
+            <a:endParaRPr b="0" lang="pt-BR" sz="3200" spc="-1" strike="noStrike">
+              <a:latin typeface="Arial"/>
             </a:endParaRPr>
           </a:p>
         </p:txBody>
@@ -629,11 +631,8 @@
             <a:normAutofit/>
           </a:bodyPr>
           <a:p>
-            <a:endParaRPr b="0" lang="pt-BR" sz="3700" spc="-1" strike="noStrike">
-              <a:solidFill>
-                <a:srgbClr val="000000"/>
-              </a:solidFill>
-              <a:latin typeface="Calibri"/>
+            <a:endParaRPr b="0" lang="pt-BR" sz="3200" spc="-1" strike="noStrike">
+              <a:latin typeface="Arial"/>
             </a:endParaRPr>
           </a:p>
         </p:txBody>
@@ -672,8 +671,8 @@
         </p:nvSpPr>
         <p:spPr>
           <a:xfrm>
-            <a:off x="672120" y="248040"/>
-            <a:ext cx="12098160" cy="977400"/>
+            <a:off x="672120" y="301680"/>
+            <a:ext cx="12098160" cy="1262160"/>
           </a:xfrm>
           <a:prstGeom prst="rect">
             <a:avLst/>
@@ -684,11 +683,9 @@
             <a:noAutofit/>
           </a:bodyPr>
           <a:p>
-            <a:endParaRPr b="0" lang="pt-BR" sz="2100" spc="-1" strike="noStrike">
-              <a:solidFill>
-                <a:srgbClr val="000000"/>
-              </a:solidFill>
-              <a:latin typeface="Calibri"/>
+            <a:pPr algn="ctr"/>
+            <a:endParaRPr b="0" lang="pt-BR" sz="4400" spc="-1" strike="noStrike">
+              <a:latin typeface="Arial"/>
             </a:endParaRPr>
           </a:p>
         </p:txBody>
@@ -717,11 +714,8 @@
             <a:normAutofit/>
           </a:bodyPr>
           <a:p>
-            <a:endParaRPr b="0" lang="pt-BR" sz="3700" spc="-1" strike="noStrike">
-              <a:solidFill>
-                <a:srgbClr val="000000"/>
-              </a:solidFill>
-              <a:latin typeface="Calibri"/>
+            <a:endParaRPr b="0" lang="pt-BR" sz="3200" spc="-1" strike="noStrike">
+              <a:latin typeface="Arial"/>
             </a:endParaRPr>
           </a:p>
         </p:txBody>
@@ -750,11 +744,8 @@
             <a:normAutofit/>
           </a:bodyPr>
           <a:p>
-            <a:endParaRPr b="0" lang="pt-BR" sz="3700" spc="-1" strike="noStrike">
-              <a:solidFill>
-                <a:srgbClr val="000000"/>
-              </a:solidFill>
-              <a:latin typeface="Calibri"/>
+            <a:endParaRPr b="0" lang="pt-BR" sz="3200" spc="-1" strike="noStrike">
+              <a:latin typeface="Arial"/>
             </a:endParaRPr>
           </a:p>
         </p:txBody>
@@ -783,11 +774,8 @@
             <a:normAutofit/>
           </a:bodyPr>
           <a:p>
-            <a:endParaRPr b="0" lang="pt-BR" sz="3700" spc="-1" strike="noStrike">
-              <a:solidFill>
-                <a:srgbClr val="000000"/>
-              </a:solidFill>
-              <a:latin typeface="Calibri"/>
+            <a:endParaRPr b="0" lang="pt-BR" sz="3200" spc="-1" strike="noStrike">
+              <a:latin typeface="Arial"/>
             </a:endParaRPr>
           </a:p>
         </p:txBody>
@@ -816,11 +804,8 @@
             <a:normAutofit/>
           </a:bodyPr>
           <a:p>
-            <a:endParaRPr b="0" lang="pt-BR" sz="3700" spc="-1" strike="noStrike">
-              <a:solidFill>
-                <a:srgbClr val="000000"/>
-              </a:solidFill>
-              <a:latin typeface="Calibri"/>
+            <a:endParaRPr b="0" lang="pt-BR" sz="3200" spc="-1" strike="noStrike">
+              <a:latin typeface="Arial"/>
             </a:endParaRPr>
           </a:p>
         </p:txBody>
@@ -859,8 +844,8 @@
         </p:nvSpPr>
         <p:spPr>
           <a:xfrm>
-            <a:off x="672120" y="248040"/>
-            <a:ext cx="12098160" cy="977400"/>
+            <a:off x="672120" y="301680"/>
+            <a:ext cx="12098160" cy="1262160"/>
           </a:xfrm>
           <a:prstGeom prst="rect">
             <a:avLst/>
@@ -871,11 +856,9 @@
             <a:noAutofit/>
           </a:bodyPr>
           <a:p>
-            <a:endParaRPr b="0" lang="pt-BR" sz="2100" spc="-1" strike="noStrike">
-              <a:solidFill>
-                <a:srgbClr val="000000"/>
-              </a:solidFill>
-              <a:latin typeface="Calibri"/>
+            <a:pPr algn="ctr"/>
+            <a:endParaRPr b="0" lang="pt-BR" sz="4400" spc="-1" strike="noStrike">
+              <a:latin typeface="Arial"/>
             </a:endParaRPr>
           </a:p>
         </p:txBody>
@@ -904,11 +887,8 @@
             <a:normAutofit/>
           </a:bodyPr>
           <a:p>
-            <a:endParaRPr b="0" lang="pt-BR" sz="3700" spc="-1" strike="noStrike">
-              <a:solidFill>
-                <a:srgbClr val="000000"/>
-              </a:solidFill>
-              <a:latin typeface="Calibri"/>
+            <a:endParaRPr b="0" lang="pt-BR" sz="3200" spc="-1" strike="noStrike">
+              <a:latin typeface="Arial"/>
             </a:endParaRPr>
           </a:p>
         </p:txBody>
@@ -937,11 +917,8 @@
             <a:normAutofit/>
           </a:bodyPr>
           <a:p>
-            <a:endParaRPr b="0" lang="pt-BR" sz="3700" spc="-1" strike="noStrike">
-              <a:solidFill>
-                <a:srgbClr val="000000"/>
-              </a:solidFill>
-              <a:latin typeface="Calibri"/>
+            <a:endParaRPr b="0" lang="pt-BR" sz="3200" spc="-1" strike="noStrike">
+              <a:latin typeface="Arial"/>
             </a:endParaRPr>
           </a:p>
         </p:txBody>
@@ -970,11 +947,8 @@
             <a:normAutofit/>
           </a:bodyPr>
           <a:p>
-            <a:endParaRPr b="0" lang="pt-BR" sz="3700" spc="-1" strike="noStrike">
-              <a:solidFill>
-                <a:srgbClr val="000000"/>
-              </a:solidFill>
-              <a:latin typeface="Calibri"/>
+            <a:endParaRPr b="0" lang="pt-BR" sz="3200" spc="-1" strike="noStrike">
+              <a:latin typeface="Arial"/>
             </a:endParaRPr>
           </a:p>
         </p:txBody>
@@ -1003,11 +977,8 @@
             <a:normAutofit/>
           </a:bodyPr>
           <a:p>
-            <a:endParaRPr b="0" lang="pt-BR" sz="3700" spc="-1" strike="noStrike">
-              <a:solidFill>
-                <a:srgbClr val="000000"/>
-              </a:solidFill>
-              <a:latin typeface="Calibri"/>
+            <a:endParaRPr b="0" lang="pt-BR" sz="3200" spc="-1" strike="noStrike">
+              <a:latin typeface="Arial"/>
             </a:endParaRPr>
           </a:p>
         </p:txBody>
@@ -1036,11 +1007,8 @@
             <a:normAutofit/>
           </a:bodyPr>
           <a:p>
-            <a:endParaRPr b="0" lang="pt-BR" sz="3700" spc="-1" strike="noStrike">
-              <a:solidFill>
-                <a:srgbClr val="000000"/>
-              </a:solidFill>
-              <a:latin typeface="Calibri"/>
+            <a:endParaRPr b="0" lang="pt-BR" sz="3200" spc="-1" strike="noStrike">
+              <a:latin typeface="Arial"/>
             </a:endParaRPr>
           </a:p>
         </p:txBody>
@@ -1069,11 +1037,8 @@
             <a:normAutofit/>
           </a:bodyPr>
           <a:p>
-            <a:endParaRPr b="0" lang="pt-BR" sz="3700" spc="-1" strike="noStrike">
-              <a:solidFill>
-                <a:srgbClr val="000000"/>
-              </a:solidFill>
-              <a:latin typeface="Calibri"/>
+            <a:endParaRPr b="0" lang="pt-BR" sz="3200" spc="-1" strike="noStrike">
+              <a:latin typeface="Arial"/>
             </a:endParaRPr>
           </a:p>
         </p:txBody>
@@ -1124,7 +1089,7 @@
       </p:grpSpPr>
       <p:sp>
         <p:nvSpPr>
-          <p:cNvPr id="51" name="PlaceHolder 1"/>
+          <p:cNvPr id="50" name="PlaceHolder 1"/>
           <p:cNvSpPr>
             <a:spLocks noGrp="1"/>
           </p:cNvSpPr>
@@ -1134,8 +1099,8 @@
         </p:nvSpPr>
         <p:spPr>
           <a:xfrm>
-            <a:off x="672120" y="248040"/>
-            <a:ext cx="12098160" cy="977400"/>
+            <a:off x="672120" y="301680"/>
+            <a:ext cx="12098160" cy="1262160"/>
           </a:xfrm>
           <a:prstGeom prst="rect">
             <a:avLst/>
@@ -1146,18 +1111,16 @@
             <a:noAutofit/>
           </a:bodyPr>
           <a:p>
-            <a:endParaRPr b="0" lang="pt-BR" sz="2100" spc="-1" strike="noStrike">
-              <a:solidFill>
-                <a:srgbClr val="000000"/>
-              </a:solidFill>
-              <a:latin typeface="Calibri"/>
-            </a:endParaRPr>
-          </a:p>
-        </p:txBody>
-      </p:sp>
-      <p:sp>
-        <p:nvSpPr>
-          <p:cNvPr id="52" name="PlaceHolder 2"/>
+            <a:pPr algn="ctr"/>
+            <a:endParaRPr b="0" lang="pt-BR" sz="4400" spc="-1" strike="noStrike">
+              <a:latin typeface="Arial"/>
+            </a:endParaRPr>
+          </a:p>
+        </p:txBody>
+      </p:sp>
+      <p:sp>
+        <p:nvSpPr>
+          <p:cNvPr id="51" name="PlaceHolder 2"/>
           <p:cNvSpPr>
             <a:spLocks noGrp="1"/>
           </p:cNvSpPr>
@@ -1210,7 +1173,7 @@
       </p:grpSpPr>
       <p:sp>
         <p:nvSpPr>
-          <p:cNvPr id="53" name="PlaceHolder 1"/>
+          <p:cNvPr id="52" name="PlaceHolder 1"/>
           <p:cNvSpPr>
             <a:spLocks noGrp="1"/>
           </p:cNvSpPr>
@@ -1220,8 +1183,8 @@
         </p:nvSpPr>
         <p:spPr>
           <a:xfrm>
-            <a:off x="672120" y="248040"/>
-            <a:ext cx="12098160" cy="977400"/>
+            <a:off x="672120" y="301680"/>
+            <a:ext cx="12098160" cy="1262160"/>
           </a:xfrm>
           <a:prstGeom prst="rect">
             <a:avLst/>
@@ -1232,18 +1195,16 @@
             <a:noAutofit/>
           </a:bodyPr>
           <a:p>
-            <a:endParaRPr b="0" lang="pt-BR" sz="2100" spc="-1" strike="noStrike">
-              <a:solidFill>
-                <a:srgbClr val="000000"/>
-              </a:solidFill>
-              <a:latin typeface="Calibri"/>
-            </a:endParaRPr>
-          </a:p>
-        </p:txBody>
-      </p:sp>
-      <p:sp>
-        <p:nvSpPr>
-          <p:cNvPr id="54" name="PlaceHolder 2"/>
+            <a:pPr algn="ctr"/>
+            <a:endParaRPr b="0" lang="pt-BR" sz="4400" spc="-1" strike="noStrike">
+              <a:latin typeface="Arial"/>
+            </a:endParaRPr>
+          </a:p>
+        </p:txBody>
+      </p:sp>
+      <p:sp>
+        <p:nvSpPr>
+          <p:cNvPr id="53" name="PlaceHolder 2"/>
           <p:cNvSpPr>
             <a:spLocks noGrp="1"/>
           </p:cNvSpPr>
@@ -1265,11 +1226,8 @@
             <a:normAutofit/>
           </a:bodyPr>
           <a:p>
-            <a:endParaRPr b="0" lang="pt-BR" sz="3700" spc="-1" strike="noStrike">
-              <a:solidFill>
-                <a:srgbClr val="000000"/>
-              </a:solidFill>
-              <a:latin typeface="Calibri"/>
+            <a:endParaRPr b="0" lang="pt-BR" sz="3200" spc="-1" strike="noStrike">
+              <a:latin typeface="Arial"/>
             </a:endParaRPr>
           </a:p>
         </p:txBody>
@@ -1298,7 +1256,7 @@
       </p:grpSpPr>
       <p:sp>
         <p:nvSpPr>
-          <p:cNvPr id="55" name="PlaceHolder 1"/>
+          <p:cNvPr id="54" name="PlaceHolder 1"/>
           <p:cNvSpPr>
             <a:spLocks noGrp="1"/>
           </p:cNvSpPr>
@@ -1308,8 +1266,8 @@
         </p:nvSpPr>
         <p:spPr>
           <a:xfrm>
-            <a:off x="672120" y="248040"/>
-            <a:ext cx="12098160" cy="977400"/>
+            <a:off x="672120" y="301680"/>
+            <a:ext cx="12098160" cy="1262160"/>
           </a:xfrm>
           <a:prstGeom prst="rect">
             <a:avLst/>
@@ -1320,18 +1278,16 @@
             <a:noAutofit/>
           </a:bodyPr>
           <a:p>
-            <a:endParaRPr b="0" lang="pt-BR" sz="2100" spc="-1" strike="noStrike">
-              <a:solidFill>
-                <a:srgbClr val="000000"/>
-              </a:solidFill>
-              <a:latin typeface="Calibri"/>
-            </a:endParaRPr>
-          </a:p>
-        </p:txBody>
-      </p:sp>
-      <p:sp>
-        <p:nvSpPr>
-          <p:cNvPr id="56" name="PlaceHolder 2"/>
+            <a:pPr algn="ctr"/>
+            <a:endParaRPr b="0" lang="pt-BR" sz="4400" spc="-1" strike="noStrike">
+              <a:latin typeface="Arial"/>
+            </a:endParaRPr>
+          </a:p>
+        </p:txBody>
+      </p:sp>
+      <p:sp>
+        <p:nvSpPr>
+          <p:cNvPr id="55" name="PlaceHolder 2"/>
           <p:cNvSpPr>
             <a:spLocks noGrp="1"/>
           </p:cNvSpPr>
@@ -1353,18 +1309,15 @@
             <a:normAutofit/>
           </a:bodyPr>
           <a:p>
-            <a:endParaRPr b="0" lang="pt-BR" sz="3700" spc="-1" strike="noStrike">
-              <a:solidFill>
-                <a:srgbClr val="000000"/>
-              </a:solidFill>
-              <a:latin typeface="Calibri"/>
-            </a:endParaRPr>
-          </a:p>
-        </p:txBody>
-      </p:sp>
-      <p:sp>
-        <p:nvSpPr>
-          <p:cNvPr id="57" name="PlaceHolder 3"/>
+            <a:endParaRPr b="0" lang="pt-BR" sz="3200" spc="-1" strike="noStrike">
+              <a:latin typeface="Arial"/>
+            </a:endParaRPr>
+          </a:p>
+        </p:txBody>
+      </p:sp>
+      <p:sp>
+        <p:nvSpPr>
+          <p:cNvPr id="56" name="PlaceHolder 3"/>
           <p:cNvSpPr>
             <a:spLocks noGrp="1"/>
           </p:cNvSpPr>
@@ -1386,11 +1339,8 @@
             <a:normAutofit/>
           </a:bodyPr>
           <a:p>
-            <a:endParaRPr b="0" lang="pt-BR" sz="3700" spc="-1" strike="noStrike">
-              <a:solidFill>
-                <a:srgbClr val="000000"/>
-              </a:solidFill>
-              <a:latin typeface="Calibri"/>
+            <a:endParaRPr b="0" lang="pt-BR" sz="3200" spc="-1" strike="noStrike">
+              <a:latin typeface="Arial"/>
             </a:endParaRPr>
           </a:p>
         </p:txBody>
@@ -1419,7 +1369,7 @@
       </p:grpSpPr>
       <p:sp>
         <p:nvSpPr>
-          <p:cNvPr id="58" name="PlaceHolder 1"/>
+          <p:cNvPr id="57" name="PlaceHolder 1"/>
           <p:cNvSpPr>
             <a:spLocks noGrp="1"/>
           </p:cNvSpPr>
@@ -1429,8 +1379,8 @@
         </p:nvSpPr>
         <p:spPr>
           <a:xfrm>
-            <a:off x="672120" y="248040"/>
-            <a:ext cx="12098160" cy="977400"/>
+            <a:off x="672120" y="301680"/>
+            <a:ext cx="12098160" cy="1262160"/>
           </a:xfrm>
           <a:prstGeom prst="rect">
             <a:avLst/>
@@ -1441,11 +1391,9 @@
             <a:noAutofit/>
           </a:bodyPr>
           <a:p>
-            <a:endParaRPr b="0" lang="pt-BR" sz="2100" spc="-1" strike="noStrike">
-              <a:solidFill>
-                <a:srgbClr val="000000"/>
-              </a:solidFill>
-              <a:latin typeface="Calibri"/>
+            <a:pPr algn="ctr"/>
+            <a:endParaRPr b="0" lang="pt-BR" sz="4400" spc="-1" strike="noStrike">
+              <a:latin typeface="Arial"/>
             </a:endParaRPr>
           </a:p>
         </p:txBody>
@@ -1474,7 +1422,7 @@
       </p:grpSpPr>
       <p:sp>
         <p:nvSpPr>
-          <p:cNvPr id="59" name="PlaceHolder 1"/>
+          <p:cNvPr id="58" name="PlaceHolder 1"/>
           <p:cNvSpPr>
             <a:spLocks noGrp="1"/>
           </p:cNvSpPr>
@@ -1484,8 +1432,8 @@
         </p:nvSpPr>
         <p:spPr>
           <a:xfrm>
-            <a:off x="672120" y="248040"/>
-            <a:ext cx="12098160" cy="4532040"/>
+            <a:off x="672120" y="301680"/>
+            <a:ext cx="12098160" cy="5851800"/>
           </a:xfrm>
           <a:prstGeom prst="rect">
             <a:avLst/>
@@ -1527,7 +1475,7 @@
       </p:grpSpPr>
       <p:sp>
         <p:nvSpPr>
-          <p:cNvPr id="60" name="PlaceHolder 1"/>
+          <p:cNvPr id="59" name="PlaceHolder 1"/>
           <p:cNvSpPr>
             <a:spLocks noGrp="1"/>
           </p:cNvSpPr>
@@ -1537,8 +1485,8 @@
         </p:nvSpPr>
         <p:spPr>
           <a:xfrm>
-            <a:off x="672120" y="248040"/>
-            <a:ext cx="12098160" cy="977400"/>
+            <a:off x="672120" y="301680"/>
+            <a:ext cx="12098160" cy="1262160"/>
           </a:xfrm>
           <a:prstGeom prst="rect">
             <a:avLst/>
@@ -1549,18 +1497,16 @@
             <a:noAutofit/>
           </a:bodyPr>
           <a:p>
-            <a:endParaRPr b="0" lang="pt-BR" sz="2100" spc="-1" strike="noStrike">
-              <a:solidFill>
-                <a:srgbClr val="000000"/>
-              </a:solidFill>
-              <a:latin typeface="Calibri"/>
-            </a:endParaRPr>
-          </a:p>
-        </p:txBody>
-      </p:sp>
-      <p:sp>
-        <p:nvSpPr>
-          <p:cNvPr id="61" name="PlaceHolder 2"/>
+            <a:pPr algn="ctr"/>
+            <a:endParaRPr b="0" lang="pt-BR" sz="4400" spc="-1" strike="noStrike">
+              <a:latin typeface="Arial"/>
+            </a:endParaRPr>
+          </a:p>
+        </p:txBody>
+      </p:sp>
+      <p:sp>
+        <p:nvSpPr>
+          <p:cNvPr id="60" name="PlaceHolder 2"/>
           <p:cNvSpPr>
             <a:spLocks noGrp="1"/>
           </p:cNvSpPr>
@@ -1582,18 +1528,15 @@
             <a:normAutofit/>
           </a:bodyPr>
           <a:p>
-            <a:endParaRPr b="0" lang="pt-BR" sz="3700" spc="-1" strike="noStrike">
-              <a:solidFill>
-                <a:srgbClr val="000000"/>
-              </a:solidFill>
-              <a:latin typeface="Calibri"/>
-            </a:endParaRPr>
-          </a:p>
-        </p:txBody>
-      </p:sp>
-      <p:sp>
-        <p:nvSpPr>
-          <p:cNvPr id="62" name="PlaceHolder 3"/>
+            <a:endParaRPr b="0" lang="pt-BR" sz="3200" spc="-1" strike="noStrike">
+              <a:latin typeface="Arial"/>
+            </a:endParaRPr>
+          </a:p>
+        </p:txBody>
+      </p:sp>
+      <p:sp>
+        <p:nvSpPr>
+          <p:cNvPr id="61" name="PlaceHolder 3"/>
           <p:cNvSpPr>
             <a:spLocks noGrp="1"/>
           </p:cNvSpPr>
@@ -1615,18 +1558,15 @@
             <a:normAutofit/>
           </a:bodyPr>
           <a:p>
-            <a:endParaRPr b="0" lang="pt-BR" sz="3700" spc="-1" strike="noStrike">
-              <a:solidFill>
-                <a:srgbClr val="000000"/>
-              </a:solidFill>
-              <a:latin typeface="Calibri"/>
-            </a:endParaRPr>
-          </a:p>
-        </p:txBody>
-      </p:sp>
-      <p:sp>
-        <p:nvSpPr>
-          <p:cNvPr id="63" name="PlaceHolder 4"/>
+            <a:endParaRPr b="0" lang="pt-BR" sz="3200" spc="-1" strike="noStrike">
+              <a:latin typeface="Arial"/>
+            </a:endParaRPr>
+          </a:p>
+        </p:txBody>
+      </p:sp>
+      <p:sp>
+        <p:nvSpPr>
+          <p:cNvPr id="62" name="PlaceHolder 4"/>
           <p:cNvSpPr>
             <a:spLocks noGrp="1"/>
           </p:cNvSpPr>
@@ -1648,11 +1588,8 @@
             <a:normAutofit/>
           </a:bodyPr>
           <a:p>
-            <a:endParaRPr b="0" lang="pt-BR" sz="3700" spc="-1" strike="noStrike">
-              <a:solidFill>
-                <a:srgbClr val="000000"/>
-              </a:solidFill>
-              <a:latin typeface="Calibri"/>
+            <a:endParaRPr b="0" lang="pt-BR" sz="3200" spc="-1" strike="noStrike">
+              <a:latin typeface="Arial"/>
             </a:endParaRPr>
           </a:p>
         </p:txBody>
@@ -1691,8 +1628,8 @@
         </p:nvSpPr>
         <p:spPr>
           <a:xfrm>
-            <a:off x="672120" y="248040"/>
-            <a:ext cx="12098160" cy="977400"/>
+            <a:off x="672120" y="301680"/>
+            <a:ext cx="12098160" cy="1262160"/>
           </a:xfrm>
           <a:prstGeom prst="rect">
             <a:avLst/>
@@ -1703,11 +1640,9 @@
             <a:noAutofit/>
           </a:bodyPr>
           <a:p>
-            <a:endParaRPr b="0" lang="pt-BR" sz="2100" spc="-1" strike="noStrike">
-              <a:solidFill>
-                <a:srgbClr val="000000"/>
-              </a:solidFill>
-              <a:latin typeface="Calibri"/>
+            <a:pPr algn="ctr"/>
+            <a:endParaRPr b="0" lang="pt-BR" sz="4400" spc="-1" strike="noStrike">
+              <a:latin typeface="Arial"/>
             </a:endParaRPr>
           </a:p>
         </p:txBody>
@@ -1767,7 +1702,7 @@
       </p:grpSpPr>
       <p:sp>
         <p:nvSpPr>
-          <p:cNvPr id="64" name="PlaceHolder 1"/>
+          <p:cNvPr id="63" name="PlaceHolder 1"/>
           <p:cNvSpPr>
             <a:spLocks noGrp="1"/>
           </p:cNvSpPr>
@@ -1777,8 +1712,8 @@
         </p:nvSpPr>
         <p:spPr>
           <a:xfrm>
-            <a:off x="672120" y="248040"/>
-            <a:ext cx="12098160" cy="977400"/>
+            <a:off x="672120" y="301680"/>
+            <a:ext cx="12098160" cy="1262160"/>
           </a:xfrm>
           <a:prstGeom prst="rect">
             <a:avLst/>
@@ -1789,18 +1724,16 @@
             <a:noAutofit/>
           </a:bodyPr>
           <a:p>
-            <a:endParaRPr b="0" lang="pt-BR" sz="2100" spc="-1" strike="noStrike">
-              <a:solidFill>
-                <a:srgbClr val="000000"/>
-              </a:solidFill>
-              <a:latin typeface="Calibri"/>
-            </a:endParaRPr>
-          </a:p>
-        </p:txBody>
-      </p:sp>
-      <p:sp>
-        <p:nvSpPr>
-          <p:cNvPr id="65" name="PlaceHolder 2"/>
+            <a:pPr algn="ctr"/>
+            <a:endParaRPr b="0" lang="pt-BR" sz="4400" spc="-1" strike="noStrike">
+              <a:latin typeface="Arial"/>
+            </a:endParaRPr>
+          </a:p>
+        </p:txBody>
+      </p:sp>
+      <p:sp>
+        <p:nvSpPr>
+          <p:cNvPr id="64" name="PlaceHolder 2"/>
           <p:cNvSpPr>
             <a:spLocks noGrp="1"/>
           </p:cNvSpPr>
@@ -1822,18 +1755,15 @@
             <a:normAutofit/>
           </a:bodyPr>
           <a:p>
-            <a:endParaRPr b="0" lang="pt-BR" sz="3700" spc="-1" strike="noStrike">
-              <a:solidFill>
-                <a:srgbClr val="000000"/>
-              </a:solidFill>
-              <a:latin typeface="Calibri"/>
-            </a:endParaRPr>
-          </a:p>
-        </p:txBody>
-      </p:sp>
-      <p:sp>
-        <p:nvSpPr>
-          <p:cNvPr id="66" name="PlaceHolder 3"/>
+            <a:endParaRPr b="0" lang="pt-BR" sz="3200" spc="-1" strike="noStrike">
+              <a:latin typeface="Arial"/>
+            </a:endParaRPr>
+          </a:p>
+        </p:txBody>
+      </p:sp>
+      <p:sp>
+        <p:nvSpPr>
+          <p:cNvPr id="65" name="PlaceHolder 3"/>
           <p:cNvSpPr>
             <a:spLocks noGrp="1"/>
           </p:cNvSpPr>
@@ -1855,18 +1785,15 @@
             <a:normAutofit/>
           </a:bodyPr>
           <a:p>
-            <a:endParaRPr b="0" lang="pt-BR" sz="3700" spc="-1" strike="noStrike">
-              <a:solidFill>
-                <a:srgbClr val="000000"/>
-              </a:solidFill>
-              <a:latin typeface="Calibri"/>
-            </a:endParaRPr>
-          </a:p>
-        </p:txBody>
-      </p:sp>
-      <p:sp>
-        <p:nvSpPr>
-          <p:cNvPr id="67" name="PlaceHolder 4"/>
+            <a:endParaRPr b="0" lang="pt-BR" sz="3200" spc="-1" strike="noStrike">
+              <a:latin typeface="Arial"/>
+            </a:endParaRPr>
+          </a:p>
+        </p:txBody>
+      </p:sp>
+      <p:sp>
+        <p:nvSpPr>
+          <p:cNvPr id="66" name="PlaceHolder 4"/>
           <p:cNvSpPr>
             <a:spLocks noGrp="1"/>
           </p:cNvSpPr>
@@ -1888,11 +1815,8 @@
             <a:normAutofit/>
           </a:bodyPr>
           <a:p>
-            <a:endParaRPr b="0" lang="pt-BR" sz="3700" spc="-1" strike="noStrike">
-              <a:solidFill>
-                <a:srgbClr val="000000"/>
-              </a:solidFill>
-              <a:latin typeface="Calibri"/>
+            <a:endParaRPr b="0" lang="pt-BR" sz="3200" spc="-1" strike="noStrike">
+              <a:latin typeface="Arial"/>
             </a:endParaRPr>
           </a:p>
         </p:txBody>
@@ -1921,7 +1845,7 @@
       </p:grpSpPr>
       <p:sp>
         <p:nvSpPr>
-          <p:cNvPr id="68" name="PlaceHolder 1"/>
+          <p:cNvPr id="67" name="PlaceHolder 1"/>
           <p:cNvSpPr>
             <a:spLocks noGrp="1"/>
           </p:cNvSpPr>
@@ -1931,8 +1855,8 @@
         </p:nvSpPr>
         <p:spPr>
           <a:xfrm>
-            <a:off x="672120" y="248040"/>
-            <a:ext cx="12098160" cy="977400"/>
+            <a:off x="672120" y="301680"/>
+            <a:ext cx="12098160" cy="1262160"/>
           </a:xfrm>
           <a:prstGeom prst="rect">
             <a:avLst/>
@@ -1943,18 +1867,16 @@
             <a:noAutofit/>
           </a:bodyPr>
           <a:p>
-            <a:endParaRPr b="0" lang="pt-BR" sz="2100" spc="-1" strike="noStrike">
-              <a:solidFill>
-                <a:srgbClr val="000000"/>
-              </a:solidFill>
-              <a:latin typeface="Calibri"/>
-            </a:endParaRPr>
-          </a:p>
-        </p:txBody>
-      </p:sp>
-      <p:sp>
-        <p:nvSpPr>
-          <p:cNvPr id="69" name="PlaceHolder 2"/>
+            <a:pPr algn="ctr"/>
+            <a:endParaRPr b="0" lang="pt-BR" sz="4400" spc="-1" strike="noStrike">
+              <a:latin typeface="Arial"/>
+            </a:endParaRPr>
+          </a:p>
+        </p:txBody>
+      </p:sp>
+      <p:sp>
+        <p:nvSpPr>
+          <p:cNvPr id="68" name="PlaceHolder 2"/>
           <p:cNvSpPr>
             <a:spLocks noGrp="1"/>
           </p:cNvSpPr>
@@ -1976,18 +1898,15 @@
             <a:normAutofit/>
           </a:bodyPr>
           <a:p>
-            <a:endParaRPr b="0" lang="pt-BR" sz="3700" spc="-1" strike="noStrike">
-              <a:solidFill>
-                <a:srgbClr val="000000"/>
-              </a:solidFill>
-              <a:latin typeface="Calibri"/>
-            </a:endParaRPr>
-          </a:p>
-        </p:txBody>
-      </p:sp>
-      <p:sp>
-        <p:nvSpPr>
-          <p:cNvPr id="70" name="PlaceHolder 3"/>
+            <a:endParaRPr b="0" lang="pt-BR" sz="3200" spc="-1" strike="noStrike">
+              <a:latin typeface="Arial"/>
+            </a:endParaRPr>
+          </a:p>
+        </p:txBody>
+      </p:sp>
+      <p:sp>
+        <p:nvSpPr>
+          <p:cNvPr id="69" name="PlaceHolder 3"/>
           <p:cNvSpPr>
             <a:spLocks noGrp="1"/>
           </p:cNvSpPr>
@@ -2009,18 +1928,15 @@
             <a:normAutofit/>
           </a:bodyPr>
           <a:p>
-            <a:endParaRPr b="0" lang="pt-BR" sz="3700" spc="-1" strike="noStrike">
-              <a:solidFill>
-                <a:srgbClr val="000000"/>
-              </a:solidFill>
-              <a:latin typeface="Calibri"/>
-            </a:endParaRPr>
-          </a:p>
-        </p:txBody>
-      </p:sp>
-      <p:sp>
-        <p:nvSpPr>
-          <p:cNvPr id="71" name="PlaceHolder 4"/>
+            <a:endParaRPr b="0" lang="pt-BR" sz="3200" spc="-1" strike="noStrike">
+              <a:latin typeface="Arial"/>
+            </a:endParaRPr>
+          </a:p>
+        </p:txBody>
+      </p:sp>
+      <p:sp>
+        <p:nvSpPr>
+          <p:cNvPr id="70" name="PlaceHolder 4"/>
           <p:cNvSpPr>
             <a:spLocks noGrp="1"/>
           </p:cNvSpPr>
@@ -2042,11 +1958,8 @@
             <a:normAutofit/>
           </a:bodyPr>
           <a:p>
-            <a:endParaRPr b="0" lang="pt-BR" sz="3700" spc="-1" strike="noStrike">
-              <a:solidFill>
-                <a:srgbClr val="000000"/>
-              </a:solidFill>
-              <a:latin typeface="Calibri"/>
+            <a:endParaRPr b="0" lang="pt-BR" sz="3200" spc="-1" strike="noStrike">
+              <a:latin typeface="Arial"/>
             </a:endParaRPr>
           </a:p>
         </p:txBody>
@@ -2075,7 +1988,7 @@
       </p:grpSpPr>
       <p:sp>
         <p:nvSpPr>
-          <p:cNvPr id="72" name="PlaceHolder 1"/>
+          <p:cNvPr id="71" name="PlaceHolder 1"/>
           <p:cNvSpPr>
             <a:spLocks noGrp="1"/>
           </p:cNvSpPr>
@@ -2085,8 +1998,8 @@
         </p:nvSpPr>
         <p:spPr>
           <a:xfrm>
-            <a:off x="672120" y="248040"/>
-            <a:ext cx="12098160" cy="977400"/>
+            <a:off x="672120" y="301680"/>
+            <a:ext cx="12098160" cy="1262160"/>
           </a:xfrm>
           <a:prstGeom prst="rect">
             <a:avLst/>
@@ -2097,18 +2010,16 @@
             <a:noAutofit/>
           </a:bodyPr>
           <a:p>
-            <a:endParaRPr b="0" lang="pt-BR" sz="2100" spc="-1" strike="noStrike">
-              <a:solidFill>
-                <a:srgbClr val="000000"/>
-              </a:solidFill>
-              <a:latin typeface="Calibri"/>
-            </a:endParaRPr>
-          </a:p>
-        </p:txBody>
-      </p:sp>
-      <p:sp>
-        <p:nvSpPr>
-          <p:cNvPr id="73" name="PlaceHolder 2"/>
+            <a:pPr algn="ctr"/>
+            <a:endParaRPr b="0" lang="pt-BR" sz="4400" spc="-1" strike="noStrike">
+              <a:latin typeface="Arial"/>
+            </a:endParaRPr>
+          </a:p>
+        </p:txBody>
+      </p:sp>
+      <p:sp>
+        <p:nvSpPr>
+          <p:cNvPr id="72" name="PlaceHolder 2"/>
           <p:cNvSpPr>
             <a:spLocks noGrp="1"/>
           </p:cNvSpPr>
@@ -2130,18 +2041,15 @@
             <a:normAutofit/>
           </a:bodyPr>
           <a:p>
-            <a:endParaRPr b="0" lang="pt-BR" sz="3700" spc="-1" strike="noStrike">
-              <a:solidFill>
-                <a:srgbClr val="000000"/>
-              </a:solidFill>
-              <a:latin typeface="Calibri"/>
-            </a:endParaRPr>
-          </a:p>
-        </p:txBody>
-      </p:sp>
-      <p:sp>
-        <p:nvSpPr>
-          <p:cNvPr id="74" name="PlaceHolder 3"/>
+            <a:endParaRPr b="0" lang="pt-BR" sz="3200" spc="-1" strike="noStrike">
+              <a:latin typeface="Arial"/>
+            </a:endParaRPr>
+          </a:p>
+        </p:txBody>
+      </p:sp>
+      <p:sp>
+        <p:nvSpPr>
+          <p:cNvPr id="73" name="PlaceHolder 3"/>
           <p:cNvSpPr>
             <a:spLocks noGrp="1"/>
           </p:cNvSpPr>
@@ -2163,11 +2071,8 @@
             <a:normAutofit/>
           </a:bodyPr>
           <a:p>
-            <a:endParaRPr b="0" lang="pt-BR" sz="3700" spc="-1" strike="noStrike">
-              <a:solidFill>
-                <a:srgbClr val="000000"/>
-              </a:solidFill>
-              <a:latin typeface="Calibri"/>
+            <a:endParaRPr b="0" lang="pt-BR" sz="3200" spc="-1" strike="noStrike">
+              <a:latin typeface="Arial"/>
             </a:endParaRPr>
           </a:p>
         </p:txBody>
@@ -2196,7 +2101,7 @@
       </p:grpSpPr>
       <p:sp>
         <p:nvSpPr>
-          <p:cNvPr id="75" name="PlaceHolder 1"/>
+          <p:cNvPr id="74" name="PlaceHolder 1"/>
           <p:cNvSpPr>
             <a:spLocks noGrp="1"/>
           </p:cNvSpPr>
@@ -2206,8 +2111,8 @@
         </p:nvSpPr>
         <p:spPr>
           <a:xfrm>
-            <a:off x="672120" y="248040"/>
-            <a:ext cx="12098160" cy="977400"/>
+            <a:off x="672120" y="301680"/>
+            <a:ext cx="12098160" cy="1262160"/>
           </a:xfrm>
           <a:prstGeom prst="rect">
             <a:avLst/>
@@ -2218,18 +2123,16 @@
             <a:noAutofit/>
           </a:bodyPr>
           <a:p>
-            <a:endParaRPr b="0" lang="pt-BR" sz="2100" spc="-1" strike="noStrike">
-              <a:solidFill>
-                <a:srgbClr val="000000"/>
-              </a:solidFill>
-              <a:latin typeface="Calibri"/>
-            </a:endParaRPr>
-          </a:p>
-        </p:txBody>
-      </p:sp>
-      <p:sp>
-        <p:nvSpPr>
-          <p:cNvPr id="76" name="PlaceHolder 2"/>
+            <a:pPr algn="ctr"/>
+            <a:endParaRPr b="0" lang="pt-BR" sz="4400" spc="-1" strike="noStrike">
+              <a:latin typeface="Arial"/>
+            </a:endParaRPr>
+          </a:p>
+        </p:txBody>
+      </p:sp>
+      <p:sp>
+        <p:nvSpPr>
+          <p:cNvPr id="75" name="PlaceHolder 2"/>
           <p:cNvSpPr>
             <a:spLocks noGrp="1"/>
           </p:cNvSpPr>
@@ -2251,18 +2154,15 @@
             <a:normAutofit/>
           </a:bodyPr>
           <a:p>
-            <a:endParaRPr b="0" lang="pt-BR" sz="3700" spc="-1" strike="noStrike">
-              <a:solidFill>
-                <a:srgbClr val="000000"/>
-              </a:solidFill>
-              <a:latin typeface="Calibri"/>
-            </a:endParaRPr>
-          </a:p>
-        </p:txBody>
-      </p:sp>
-      <p:sp>
-        <p:nvSpPr>
-          <p:cNvPr id="77" name="PlaceHolder 3"/>
+            <a:endParaRPr b="0" lang="pt-BR" sz="3200" spc="-1" strike="noStrike">
+              <a:latin typeface="Arial"/>
+            </a:endParaRPr>
+          </a:p>
+        </p:txBody>
+      </p:sp>
+      <p:sp>
+        <p:nvSpPr>
+          <p:cNvPr id="76" name="PlaceHolder 3"/>
           <p:cNvSpPr>
             <a:spLocks noGrp="1"/>
           </p:cNvSpPr>
@@ -2284,18 +2184,15 @@
             <a:normAutofit/>
           </a:bodyPr>
           <a:p>
-            <a:endParaRPr b="0" lang="pt-BR" sz="3700" spc="-1" strike="noStrike">
-              <a:solidFill>
-                <a:srgbClr val="000000"/>
-              </a:solidFill>
-              <a:latin typeface="Calibri"/>
-            </a:endParaRPr>
-          </a:p>
-        </p:txBody>
-      </p:sp>
-      <p:sp>
-        <p:nvSpPr>
-          <p:cNvPr id="78" name="PlaceHolder 4"/>
+            <a:endParaRPr b="0" lang="pt-BR" sz="3200" spc="-1" strike="noStrike">
+              <a:latin typeface="Arial"/>
+            </a:endParaRPr>
+          </a:p>
+        </p:txBody>
+      </p:sp>
+      <p:sp>
+        <p:nvSpPr>
+          <p:cNvPr id="77" name="PlaceHolder 4"/>
           <p:cNvSpPr>
             <a:spLocks noGrp="1"/>
           </p:cNvSpPr>
@@ -2317,18 +2214,15 @@
             <a:normAutofit/>
           </a:bodyPr>
           <a:p>
-            <a:endParaRPr b="0" lang="pt-BR" sz="3700" spc="-1" strike="noStrike">
-              <a:solidFill>
-                <a:srgbClr val="000000"/>
-              </a:solidFill>
-              <a:latin typeface="Calibri"/>
-            </a:endParaRPr>
-          </a:p>
-        </p:txBody>
-      </p:sp>
-      <p:sp>
-        <p:nvSpPr>
-          <p:cNvPr id="79" name="PlaceHolder 5"/>
+            <a:endParaRPr b="0" lang="pt-BR" sz="3200" spc="-1" strike="noStrike">
+              <a:latin typeface="Arial"/>
+            </a:endParaRPr>
+          </a:p>
+        </p:txBody>
+      </p:sp>
+      <p:sp>
+        <p:nvSpPr>
+          <p:cNvPr id="78" name="PlaceHolder 5"/>
           <p:cNvSpPr>
             <a:spLocks noGrp="1"/>
           </p:cNvSpPr>
@@ -2350,11 +2244,8 @@
             <a:normAutofit/>
           </a:bodyPr>
           <a:p>
-            <a:endParaRPr b="0" lang="pt-BR" sz="3700" spc="-1" strike="noStrike">
-              <a:solidFill>
-                <a:srgbClr val="000000"/>
-              </a:solidFill>
-              <a:latin typeface="Calibri"/>
+            <a:endParaRPr b="0" lang="pt-BR" sz="3200" spc="-1" strike="noStrike">
+              <a:latin typeface="Arial"/>
             </a:endParaRPr>
           </a:p>
         </p:txBody>
@@ -2383,7 +2274,7 @@
       </p:grpSpPr>
       <p:sp>
         <p:nvSpPr>
-          <p:cNvPr id="80" name="PlaceHolder 1"/>
+          <p:cNvPr id="79" name="PlaceHolder 1"/>
           <p:cNvSpPr>
             <a:spLocks noGrp="1"/>
           </p:cNvSpPr>
@@ -2393,8 +2284,8 @@
         </p:nvSpPr>
         <p:spPr>
           <a:xfrm>
-            <a:off x="672120" y="248040"/>
-            <a:ext cx="12098160" cy="977400"/>
+            <a:off x="672120" y="301680"/>
+            <a:ext cx="12098160" cy="1262160"/>
           </a:xfrm>
           <a:prstGeom prst="rect">
             <a:avLst/>
@@ -2405,18 +2296,16 @@
             <a:noAutofit/>
           </a:bodyPr>
           <a:p>
-            <a:endParaRPr b="0" lang="pt-BR" sz="2100" spc="-1" strike="noStrike">
-              <a:solidFill>
-                <a:srgbClr val="000000"/>
-              </a:solidFill>
-              <a:latin typeface="Calibri"/>
-            </a:endParaRPr>
-          </a:p>
-        </p:txBody>
-      </p:sp>
-      <p:sp>
-        <p:nvSpPr>
-          <p:cNvPr id="81" name="PlaceHolder 2"/>
+            <a:pPr algn="ctr"/>
+            <a:endParaRPr b="0" lang="pt-BR" sz="4400" spc="-1" strike="noStrike">
+              <a:latin typeface="Arial"/>
+            </a:endParaRPr>
+          </a:p>
+        </p:txBody>
+      </p:sp>
+      <p:sp>
+        <p:nvSpPr>
+          <p:cNvPr id="80" name="PlaceHolder 2"/>
           <p:cNvSpPr>
             <a:spLocks noGrp="1"/>
           </p:cNvSpPr>
@@ -2438,18 +2327,15 @@
             <a:normAutofit/>
           </a:bodyPr>
           <a:p>
-            <a:endParaRPr b="0" lang="pt-BR" sz="3700" spc="-1" strike="noStrike">
-              <a:solidFill>
-                <a:srgbClr val="000000"/>
-              </a:solidFill>
-              <a:latin typeface="Calibri"/>
-            </a:endParaRPr>
-          </a:p>
-        </p:txBody>
-      </p:sp>
-      <p:sp>
-        <p:nvSpPr>
-          <p:cNvPr id="82" name="PlaceHolder 3"/>
+            <a:endParaRPr b="0" lang="pt-BR" sz="3200" spc="-1" strike="noStrike">
+              <a:latin typeface="Arial"/>
+            </a:endParaRPr>
+          </a:p>
+        </p:txBody>
+      </p:sp>
+      <p:sp>
+        <p:nvSpPr>
+          <p:cNvPr id="81" name="PlaceHolder 3"/>
           <p:cNvSpPr>
             <a:spLocks noGrp="1"/>
           </p:cNvSpPr>
@@ -2471,18 +2357,15 @@
             <a:normAutofit/>
           </a:bodyPr>
           <a:p>
-            <a:endParaRPr b="0" lang="pt-BR" sz="3700" spc="-1" strike="noStrike">
-              <a:solidFill>
-                <a:srgbClr val="000000"/>
-              </a:solidFill>
-              <a:latin typeface="Calibri"/>
-            </a:endParaRPr>
-          </a:p>
-        </p:txBody>
-      </p:sp>
-      <p:sp>
-        <p:nvSpPr>
-          <p:cNvPr id="83" name="PlaceHolder 4"/>
+            <a:endParaRPr b="0" lang="pt-BR" sz="3200" spc="-1" strike="noStrike">
+              <a:latin typeface="Arial"/>
+            </a:endParaRPr>
+          </a:p>
+        </p:txBody>
+      </p:sp>
+      <p:sp>
+        <p:nvSpPr>
+          <p:cNvPr id="82" name="PlaceHolder 4"/>
           <p:cNvSpPr>
             <a:spLocks noGrp="1"/>
           </p:cNvSpPr>
@@ -2504,18 +2387,15 @@
             <a:normAutofit/>
           </a:bodyPr>
           <a:p>
-            <a:endParaRPr b="0" lang="pt-BR" sz="3700" spc="-1" strike="noStrike">
-              <a:solidFill>
-                <a:srgbClr val="000000"/>
-              </a:solidFill>
-              <a:latin typeface="Calibri"/>
-            </a:endParaRPr>
-          </a:p>
-        </p:txBody>
-      </p:sp>
-      <p:sp>
-        <p:nvSpPr>
-          <p:cNvPr id="84" name="PlaceHolder 5"/>
+            <a:endParaRPr b="0" lang="pt-BR" sz="3200" spc="-1" strike="noStrike">
+              <a:latin typeface="Arial"/>
+            </a:endParaRPr>
+          </a:p>
+        </p:txBody>
+      </p:sp>
+      <p:sp>
+        <p:nvSpPr>
+          <p:cNvPr id="83" name="PlaceHolder 5"/>
           <p:cNvSpPr>
             <a:spLocks noGrp="1"/>
           </p:cNvSpPr>
@@ -2537,18 +2417,15 @@
             <a:normAutofit/>
           </a:bodyPr>
           <a:p>
-            <a:endParaRPr b="0" lang="pt-BR" sz="3700" spc="-1" strike="noStrike">
-              <a:solidFill>
-                <a:srgbClr val="000000"/>
-              </a:solidFill>
-              <a:latin typeface="Calibri"/>
-            </a:endParaRPr>
-          </a:p>
-        </p:txBody>
-      </p:sp>
-      <p:sp>
-        <p:nvSpPr>
-          <p:cNvPr id="85" name="PlaceHolder 6"/>
+            <a:endParaRPr b="0" lang="pt-BR" sz="3200" spc="-1" strike="noStrike">
+              <a:latin typeface="Arial"/>
+            </a:endParaRPr>
+          </a:p>
+        </p:txBody>
+      </p:sp>
+      <p:sp>
+        <p:nvSpPr>
+          <p:cNvPr id="84" name="PlaceHolder 6"/>
           <p:cNvSpPr>
             <a:spLocks noGrp="1"/>
           </p:cNvSpPr>
@@ -2570,18 +2447,15 @@
             <a:normAutofit/>
           </a:bodyPr>
           <a:p>
-            <a:endParaRPr b="0" lang="pt-BR" sz="3700" spc="-1" strike="noStrike">
-              <a:solidFill>
-                <a:srgbClr val="000000"/>
-              </a:solidFill>
-              <a:latin typeface="Calibri"/>
-            </a:endParaRPr>
-          </a:p>
-        </p:txBody>
-      </p:sp>
-      <p:sp>
-        <p:nvSpPr>
-          <p:cNvPr id="86" name="PlaceHolder 7"/>
+            <a:endParaRPr b="0" lang="pt-BR" sz="3200" spc="-1" strike="noStrike">
+              <a:latin typeface="Arial"/>
+            </a:endParaRPr>
+          </a:p>
+        </p:txBody>
+      </p:sp>
+      <p:sp>
+        <p:nvSpPr>
+          <p:cNvPr id="85" name="PlaceHolder 7"/>
           <p:cNvSpPr>
             <a:spLocks noGrp="1"/>
           </p:cNvSpPr>
@@ -2603,11 +2477,8 @@
             <a:normAutofit/>
           </a:bodyPr>
           <a:p>
-            <a:endParaRPr b="0" lang="pt-BR" sz="3700" spc="-1" strike="noStrike">
-              <a:solidFill>
-                <a:srgbClr val="000000"/>
-              </a:solidFill>
-              <a:latin typeface="Calibri"/>
+            <a:endParaRPr b="0" lang="pt-BR" sz="3200" spc="-1" strike="noStrike">
+              <a:latin typeface="Arial"/>
             </a:endParaRPr>
           </a:p>
         </p:txBody>
@@ -2658,7 +2529,7 @@
       </p:grpSpPr>
       <p:sp>
         <p:nvSpPr>
-          <p:cNvPr id="91" name="PlaceHolder 1"/>
+          <p:cNvPr id="88" name="PlaceHolder 1"/>
           <p:cNvSpPr>
             <a:spLocks noGrp="1"/>
           </p:cNvSpPr>
@@ -2668,8 +2539,8 @@
         </p:nvSpPr>
         <p:spPr>
           <a:xfrm>
-            <a:off x="672120" y="248040"/>
-            <a:ext cx="12098160" cy="977400"/>
+            <a:off x="672120" y="301680"/>
+            <a:ext cx="12098160" cy="1262160"/>
           </a:xfrm>
           <a:prstGeom prst="rect">
             <a:avLst/>
@@ -2680,18 +2551,16 @@
             <a:noAutofit/>
           </a:bodyPr>
           <a:p>
-            <a:endParaRPr b="0" lang="pt-BR" sz="2100" spc="-1" strike="noStrike">
-              <a:solidFill>
-                <a:srgbClr val="000000"/>
-              </a:solidFill>
-              <a:latin typeface="Calibri"/>
-            </a:endParaRPr>
-          </a:p>
-        </p:txBody>
-      </p:sp>
-      <p:sp>
-        <p:nvSpPr>
-          <p:cNvPr id="92" name="PlaceHolder 2"/>
+            <a:pPr algn="ctr"/>
+            <a:endParaRPr b="0" lang="pt-BR" sz="4400" spc="-1" strike="noStrike">
+              <a:latin typeface="Arial"/>
+            </a:endParaRPr>
+          </a:p>
+        </p:txBody>
+      </p:sp>
+      <p:sp>
+        <p:nvSpPr>
+          <p:cNvPr id="89" name="PlaceHolder 2"/>
           <p:cNvSpPr>
             <a:spLocks noGrp="1"/>
           </p:cNvSpPr>
@@ -2744,7 +2613,7 @@
       </p:grpSpPr>
       <p:sp>
         <p:nvSpPr>
-          <p:cNvPr id="93" name="PlaceHolder 1"/>
+          <p:cNvPr id="90" name="PlaceHolder 1"/>
           <p:cNvSpPr>
             <a:spLocks noGrp="1"/>
           </p:cNvSpPr>
@@ -2754,8 +2623,8 @@
         </p:nvSpPr>
         <p:spPr>
           <a:xfrm>
-            <a:off x="672120" y="248040"/>
-            <a:ext cx="12098160" cy="977400"/>
+            <a:off x="672120" y="301680"/>
+            <a:ext cx="12098160" cy="1262160"/>
           </a:xfrm>
           <a:prstGeom prst="rect">
             <a:avLst/>
@@ -2766,18 +2635,16 @@
             <a:noAutofit/>
           </a:bodyPr>
           <a:p>
-            <a:endParaRPr b="0" lang="pt-BR" sz="2100" spc="-1" strike="noStrike">
-              <a:solidFill>
-                <a:srgbClr val="000000"/>
-              </a:solidFill>
-              <a:latin typeface="Calibri"/>
-            </a:endParaRPr>
-          </a:p>
-        </p:txBody>
-      </p:sp>
-      <p:sp>
-        <p:nvSpPr>
-          <p:cNvPr id="94" name="PlaceHolder 2"/>
+            <a:pPr algn="ctr"/>
+            <a:endParaRPr b="0" lang="pt-BR" sz="4400" spc="-1" strike="noStrike">
+              <a:latin typeface="Arial"/>
+            </a:endParaRPr>
+          </a:p>
+        </p:txBody>
+      </p:sp>
+      <p:sp>
+        <p:nvSpPr>
+          <p:cNvPr id="91" name="PlaceHolder 2"/>
           <p:cNvSpPr>
             <a:spLocks noGrp="1"/>
           </p:cNvSpPr>
@@ -2799,11 +2666,8 @@
             <a:normAutofit/>
           </a:bodyPr>
           <a:p>
-            <a:endParaRPr b="0" lang="pt-BR" sz="3700" spc="-1" strike="noStrike">
-              <a:solidFill>
-                <a:srgbClr val="000000"/>
-              </a:solidFill>
-              <a:latin typeface="Calibri"/>
+            <a:endParaRPr b="0" lang="pt-BR" sz="3200" spc="-1" strike="noStrike">
+              <a:latin typeface="Arial"/>
             </a:endParaRPr>
           </a:p>
         </p:txBody>
@@ -2832,7 +2696,7 @@
       </p:grpSpPr>
       <p:sp>
         <p:nvSpPr>
-          <p:cNvPr id="95" name="PlaceHolder 1"/>
+          <p:cNvPr id="92" name="PlaceHolder 1"/>
           <p:cNvSpPr>
             <a:spLocks noGrp="1"/>
           </p:cNvSpPr>
@@ -2842,8 +2706,8 @@
         </p:nvSpPr>
         <p:spPr>
           <a:xfrm>
-            <a:off x="672120" y="248040"/>
-            <a:ext cx="12098160" cy="977400"/>
+            <a:off x="672120" y="301680"/>
+            <a:ext cx="12098160" cy="1262160"/>
           </a:xfrm>
           <a:prstGeom prst="rect">
             <a:avLst/>
@@ -2854,18 +2718,16 @@
             <a:noAutofit/>
           </a:bodyPr>
           <a:p>
-            <a:endParaRPr b="0" lang="pt-BR" sz="2100" spc="-1" strike="noStrike">
-              <a:solidFill>
-                <a:srgbClr val="000000"/>
-              </a:solidFill>
-              <a:latin typeface="Calibri"/>
-            </a:endParaRPr>
-          </a:p>
-        </p:txBody>
-      </p:sp>
-      <p:sp>
-        <p:nvSpPr>
-          <p:cNvPr id="96" name="PlaceHolder 2"/>
+            <a:pPr algn="ctr"/>
+            <a:endParaRPr b="0" lang="pt-BR" sz="4400" spc="-1" strike="noStrike">
+              <a:latin typeface="Arial"/>
+            </a:endParaRPr>
+          </a:p>
+        </p:txBody>
+      </p:sp>
+      <p:sp>
+        <p:nvSpPr>
+          <p:cNvPr id="93" name="PlaceHolder 2"/>
           <p:cNvSpPr>
             <a:spLocks noGrp="1"/>
           </p:cNvSpPr>
@@ -2887,18 +2749,15 @@
             <a:normAutofit/>
           </a:bodyPr>
           <a:p>
-            <a:endParaRPr b="0" lang="pt-BR" sz="3700" spc="-1" strike="noStrike">
-              <a:solidFill>
-                <a:srgbClr val="000000"/>
-              </a:solidFill>
-              <a:latin typeface="Calibri"/>
-            </a:endParaRPr>
-          </a:p>
-        </p:txBody>
-      </p:sp>
-      <p:sp>
-        <p:nvSpPr>
-          <p:cNvPr id="97" name="PlaceHolder 3"/>
+            <a:endParaRPr b="0" lang="pt-BR" sz="3200" spc="-1" strike="noStrike">
+              <a:latin typeface="Arial"/>
+            </a:endParaRPr>
+          </a:p>
+        </p:txBody>
+      </p:sp>
+      <p:sp>
+        <p:nvSpPr>
+          <p:cNvPr id="94" name="PlaceHolder 3"/>
           <p:cNvSpPr>
             <a:spLocks noGrp="1"/>
           </p:cNvSpPr>
@@ -2920,11 +2779,8 @@
             <a:normAutofit/>
           </a:bodyPr>
           <a:p>
-            <a:endParaRPr b="0" lang="pt-BR" sz="3700" spc="-1" strike="noStrike">
-              <a:solidFill>
-                <a:srgbClr val="000000"/>
-              </a:solidFill>
-              <a:latin typeface="Calibri"/>
+            <a:endParaRPr b="0" lang="pt-BR" sz="3200" spc="-1" strike="noStrike">
+              <a:latin typeface="Arial"/>
             </a:endParaRPr>
           </a:p>
         </p:txBody>
@@ -2953,7 +2809,7 @@
       </p:grpSpPr>
       <p:sp>
         <p:nvSpPr>
-          <p:cNvPr id="98" name="PlaceHolder 1"/>
+          <p:cNvPr id="95" name="PlaceHolder 1"/>
           <p:cNvSpPr>
             <a:spLocks noGrp="1"/>
           </p:cNvSpPr>
@@ -2963,8 +2819,8 @@
         </p:nvSpPr>
         <p:spPr>
           <a:xfrm>
-            <a:off x="672120" y="248040"/>
-            <a:ext cx="12098160" cy="977400"/>
+            <a:off x="672120" y="301680"/>
+            <a:ext cx="12098160" cy="1262160"/>
           </a:xfrm>
           <a:prstGeom prst="rect">
             <a:avLst/>
@@ -2975,11 +2831,9 @@
             <a:noAutofit/>
           </a:bodyPr>
           <a:p>
-            <a:endParaRPr b="0" lang="pt-BR" sz="2100" spc="-1" strike="noStrike">
-              <a:solidFill>
-                <a:srgbClr val="000000"/>
-              </a:solidFill>
-              <a:latin typeface="Calibri"/>
+            <a:pPr algn="ctr"/>
+            <a:endParaRPr b="0" lang="pt-BR" sz="4400" spc="-1" strike="noStrike">
+              <a:latin typeface="Arial"/>
             </a:endParaRPr>
           </a:p>
         </p:txBody>
@@ -3018,8 +2872,8 @@
         </p:nvSpPr>
         <p:spPr>
           <a:xfrm>
-            <a:off x="672120" y="248040"/>
-            <a:ext cx="12098160" cy="977400"/>
+            <a:off x="672120" y="301680"/>
+            <a:ext cx="12098160" cy="1262160"/>
           </a:xfrm>
           <a:prstGeom prst="rect">
             <a:avLst/>
@@ -3030,11 +2884,9 @@
             <a:noAutofit/>
           </a:bodyPr>
           <a:p>
-            <a:endParaRPr b="0" lang="pt-BR" sz="2100" spc="-1" strike="noStrike">
-              <a:solidFill>
-                <a:srgbClr val="000000"/>
-              </a:solidFill>
-              <a:latin typeface="Calibri"/>
+            <a:pPr algn="ctr"/>
+            <a:endParaRPr b="0" lang="pt-BR" sz="4400" spc="-1" strike="noStrike">
+              <a:latin typeface="Arial"/>
             </a:endParaRPr>
           </a:p>
         </p:txBody>
@@ -3063,11 +2915,8 @@
             <a:normAutofit/>
           </a:bodyPr>
           <a:p>
-            <a:endParaRPr b="0" lang="pt-BR" sz="3700" spc="-1" strike="noStrike">
-              <a:solidFill>
-                <a:srgbClr val="000000"/>
-              </a:solidFill>
-              <a:latin typeface="Calibri"/>
+            <a:endParaRPr b="0" lang="pt-BR" sz="3200" spc="-1" strike="noStrike">
+              <a:latin typeface="Arial"/>
             </a:endParaRPr>
           </a:p>
         </p:txBody>
@@ -3096,7 +2945,7 @@
       </p:grpSpPr>
       <p:sp>
         <p:nvSpPr>
-          <p:cNvPr id="99" name="PlaceHolder 1"/>
+          <p:cNvPr id="96" name="PlaceHolder 1"/>
           <p:cNvSpPr>
             <a:spLocks noGrp="1"/>
           </p:cNvSpPr>
@@ -3106,8 +2955,8 @@
         </p:nvSpPr>
         <p:spPr>
           <a:xfrm>
-            <a:off x="672120" y="248040"/>
-            <a:ext cx="12098160" cy="4532040"/>
+            <a:off x="672120" y="301680"/>
+            <a:ext cx="12098160" cy="5851800"/>
           </a:xfrm>
           <a:prstGeom prst="rect">
             <a:avLst/>
@@ -3149,7 +2998,7 @@
       </p:grpSpPr>
       <p:sp>
         <p:nvSpPr>
-          <p:cNvPr id="100" name="PlaceHolder 1"/>
+          <p:cNvPr id="97" name="PlaceHolder 1"/>
           <p:cNvSpPr>
             <a:spLocks noGrp="1"/>
           </p:cNvSpPr>
@@ -3159,8 +3008,8 @@
         </p:nvSpPr>
         <p:spPr>
           <a:xfrm>
-            <a:off x="672120" y="248040"/>
-            <a:ext cx="12098160" cy="977400"/>
+            <a:off x="672120" y="301680"/>
+            <a:ext cx="12098160" cy="1262160"/>
           </a:xfrm>
           <a:prstGeom prst="rect">
             <a:avLst/>
@@ -3171,18 +3020,16 @@
             <a:noAutofit/>
           </a:bodyPr>
           <a:p>
-            <a:endParaRPr b="0" lang="pt-BR" sz="2100" spc="-1" strike="noStrike">
-              <a:solidFill>
-                <a:srgbClr val="000000"/>
-              </a:solidFill>
-              <a:latin typeface="Calibri"/>
-            </a:endParaRPr>
-          </a:p>
-        </p:txBody>
-      </p:sp>
-      <p:sp>
-        <p:nvSpPr>
-          <p:cNvPr id="101" name="PlaceHolder 2"/>
+            <a:pPr algn="ctr"/>
+            <a:endParaRPr b="0" lang="pt-BR" sz="4400" spc="-1" strike="noStrike">
+              <a:latin typeface="Arial"/>
+            </a:endParaRPr>
+          </a:p>
+        </p:txBody>
+      </p:sp>
+      <p:sp>
+        <p:nvSpPr>
+          <p:cNvPr id="98" name="PlaceHolder 2"/>
           <p:cNvSpPr>
             <a:spLocks noGrp="1"/>
           </p:cNvSpPr>
@@ -3204,18 +3051,15 @@
             <a:normAutofit/>
           </a:bodyPr>
           <a:p>
-            <a:endParaRPr b="0" lang="pt-BR" sz="3700" spc="-1" strike="noStrike">
-              <a:solidFill>
-                <a:srgbClr val="000000"/>
-              </a:solidFill>
-              <a:latin typeface="Calibri"/>
-            </a:endParaRPr>
-          </a:p>
-        </p:txBody>
-      </p:sp>
-      <p:sp>
-        <p:nvSpPr>
-          <p:cNvPr id="102" name="PlaceHolder 3"/>
+            <a:endParaRPr b="0" lang="pt-BR" sz="3200" spc="-1" strike="noStrike">
+              <a:latin typeface="Arial"/>
+            </a:endParaRPr>
+          </a:p>
+        </p:txBody>
+      </p:sp>
+      <p:sp>
+        <p:nvSpPr>
+          <p:cNvPr id="99" name="PlaceHolder 3"/>
           <p:cNvSpPr>
             <a:spLocks noGrp="1"/>
           </p:cNvSpPr>
@@ -3237,18 +3081,15 @@
             <a:normAutofit/>
           </a:bodyPr>
           <a:p>
-            <a:endParaRPr b="0" lang="pt-BR" sz="3700" spc="-1" strike="noStrike">
-              <a:solidFill>
-                <a:srgbClr val="000000"/>
-              </a:solidFill>
-              <a:latin typeface="Calibri"/>
-            </a:endParaRPr>
-          </a:p>
-        </p:txBody>
-      </p:sp>
-      <p:sp>
-        <p:nvSpPr>
-          <p:cNvPr id="103" name="PlaceHolder 4"/>
+            <a:endParaRPr b="0" lang="pt-BR" sz="3200" spc="-1" strike="noStrike">
+              <a:latin typeface="Arial"/>
+            </a:endParaRPr>
+          </a:p>
+        </p:txBody>
+      </p:sp>
+      <p:sp>
+        <p:nvSpPr>
+          <p:cNvPr id="100" name="PlaceHolder 4"/>
           <p:cNvSpPr>
             <a:spLocks noGrp="1"/>
           </p:cNvSpPr>
@@ -3270,11 +3111,8 @@
             <a:normAutofit/>
           </a:bodyPr>
           <a:p>
-            <a:endParaRPr b="0" lang="pt-BR" sz="3700" spc="-1" strike="noStrike">
-              <a:solidFill>
-                <a:srgbClr val="000000"/>
-              </a:solidFill>
-              <a:latin typeface="Calibri"/>
+            <a:endParaRPr b="0" lang="pt-BR" sz="3200" spc="-1" strike="noStrike">
+              <a:latin typeface="Arial"/>
             </a:endParaRPr>
           </a:p>
         </p:txBody>
@@ -3303,7 +3141,7 @@
       </p:grpSpPr>
       <p:sp>
         <p:nvSpPr>
-          <p:cNvPr id="104" name="PlaceHolder 1"/>
+          <p:cNvPr id="101" name="PlaceHolder 1"/>
           <p:cNvSpPr>
             <a:spLocks noGrp="1"/>
           </p:cNvSpPr>
@@ -3313,8 +3151,8 @@
         </p:nvSpPr>
         <p:spPr>
           <a:xfrm>
-            <a:off x="672120" y="248040"/>
-            <a:ext cx="12098160" cy="977400"/>
+            <a:off x="672120" y="301680"/>
+            <a:ext cx="12098160" cy="1262160"/>
           </a:xfrm>
           <a:prstGeom prst="rect">
             <a:avLst/>
@@ -3325,18 +3163,16 @@
             <a:noAutofit/>
           </a:bodyPr>
           <a:p>
-            <a:endParaRPr b="0" lang="pt-BR" sz="2100" spc="-1" strike="noStrike">
-              <a:solidFill>
-                <a:srgbClr val="000000"/>
-              </a:solidFill>
-              <a:latin typeface="Calibri"/>
-            </a:endParaRPr>
-          </a:p>
-        </p:txBody>
-      </p:sp>
-      <p:sp>
-        <p:nvSpPr>
-          <p:cNvPr id="105" name="PlaceHolder 2"/>
+            <a:pPr algn="ctr"/>
+            <a:endParaRPr b="0" lang="pt-BR" sz="4400" spc="-1" strike="noStrike">
+              <a:latin typeface="Arial"/>
+            </a:endParaRPr>
+          </a:p>
+        </p:txBody>
+      </p:sp>
+      <p:sp>
+        <p:nvSpPr>
+          <p:cNvPr id="102" name="PlaceHolder 2"/>
           <p:cNvSpPr>
             <a:spLocks noGrp="1"/>
           </p:cNvSpPr>
@@ -3358,18 +3194,15 @@
             <a:normAutofit/>
           </a:bodyPr>
           <a:p>
-            <a:endParaRPr b="0" lang="pt-BR" sz="3700" spc="-1" strike="noStrike">
-              <a:solidFill>
-                <a:srgbClr val="000000"/>
-              </a:solidFill>
-              <a:latin typeface="Calibri"/>
-            </a:endParaRPr>
-          </a:p>
-        </p:txBody>
-      </p:sp>
-      <p:sp>
-        <p:nvSpPr>
-          <p:cNvPr id="106" name="PlaceHolder 3"/>
+            <a:endParaRPr b="0" lang="pt-BR" sz="3200" spc="-1" strike="noStrike">
+              <a:latin typeface="Arial"/>
+            </a:endParaRPr>
+          </a:p>
+        </p:txBody>
+      </p:sp>
+      <p:sp>
+        <p:nvSpPr>
+          <p:cNvPr id="103" name="PlaceHolder 3"/>
           <p:cNvSpPr>
             <a:spLocks noGrp="1"/>
           </p:cNvSpPr>
@@ -3391,18 +3224,15 @@
             <a:normAutofit/>
           </a:bodyPr>
           <a:p>
-            <a:endParaRPr b="0" lang="pt-BR" sz="3700" spc="-1" strike="noStrike">
-              <a:solidFill>
-                <a:srgbClr val="000000"/>
-              </a:solidFill>
-              <a:latin typeface="Calibri"/>
-            </a:endParaRPr>
-          </a:p>
-        </p:txBody>
-      </p:sp>
-      <p:sp>
-        <p:nvSpPr>
-          <p:cNvPr id="107" name="PlaceHolder 4"/>
+            <a:endParaRPr b="0" lang="pt-BR" sz="3200" spc="-1" strike="noStrike">
+              <a:latin typeface="Arial"/>
+            </a:endParaRPr>
+          </a:p>
+        </p:txBody>
+      </p:sp>
+      <p:sp>
+        <p:nvSpPr>
+          <p:cNvPr id="104" name="PlaceHolder 4"/>
           <p:cNvSpPr>
             <a:spLocks noGrp="1"/>
           </p:cNvSpPr>
@@ -3424,11 +3254,8 @@
             <a:normAutofit/>
           </a:bodyPr>
           <a:p>
-            <a:endParaRPr b="0" lang="pt-BR" sz="3700" spc="-1" strike="noStrike">
-              <a:solidFill>
-                <a:srgbClr val="000000"/>
-              </a:solidFill>
-              <a:latin typeface="Calibri"/>
+            <a:endParaRPr b="0" lang="pt-BR" sz="3200" spc="-1" strike="noStrike">
+              <a:latin typeface="Arial"/>
             </a:endParaRPr>
           </a:p>
         </p:txBody>
@@ -3457,7 +3284,7 @@
       </p:grpSpPr>
       <p:sp>
         <p:nvSpPr>
-          <p:cNvPr id="108" name="PlaceHolder 1"/>
+          <p:cNvPr id="105" name="PlaceHolder 1"/>
           <p:cNvSpPr>
             <a:spLocks noGrp="1"/>
           </p:cNvSpPr>
@@ -3467,8 +3294,8 @@
         </p:nvSpPr>
         <p:spPr>
           <a:xfrm>
-            <a:off x="672120" y="248040"/>
-            <a:ext cx="12098160" cy="977400"/>
+            <a:off x="672120" y="301680"/>
+            <a:ext cx="12098160" cy="1262160"/>
           </a:xfrm>
           <a:prstGeom prst="rect">
             <a:avLst/>
@@ -3479,18 +3306,16 @@
             <a:noAutofit/>
           </a:bodyPr>
           <a:p>
-            <a:endParaRPr b="0" lang="pt-BR" sz="2100" spc="-1" strike="noStrike">
-              <a:solidFill>
-                <a:srgbClr val="000000"/>
-              </a:solidFill>
-              <a:latin typeface="Calibri"/>
-            </a:endParaRPr>
-          </a:p>
-        </p:txBody>
-      </p:sp>
-      <p:sp>
-        <p:nvSpPr>
-          <p:cNvPr id="109" name="PlaceHolder 2"/>
+            <a:pPr algn="ctr"/>
+            <a:endParaRPr b="0" lang="pt-BR" sz="4400" spc="-1" strike="noStrike">
+              <a:latin typeface="Arial"/>
+            </a:endParaRPr>
+          </a:p>
+        </p:txBody>
+      </p:sp>
+      <p:sp>
+        <p:nvSpPr>
+          <p:cNvPr id="106" name="PlaceHolder 2"/>
           <p:cNvSpPr>
             <a:spLocks noGrp="1"/>
           </p:cNvSpPr>
@@ -3512,18 +3337,15 @@
             <a:normAutofit/>
           </a:bodyPr>
           <a:p>
-            <a:endParaRPr b="0" lang="pt-BR" sz="3700" spc="-1" strike="noStrike">
-              <a:solidFill>
-                <a:srgbClr val="000000"/>
-              </a:solidFill>
-              <a:latin typeface="Calibri"/>
-            </a:endParaRPr>
-          </a:p>
-        </p:txBody>
-      </p:sp>
-      <p:sp>
-        <p:nvSpPr>
-          <p:cNvPr id="110" name="PlaceHolder 3"/>
+            <a:endParaRPr b="0" lang="pt-BR" sz="3200" spc="-1" strike="noStrike">
+              <a:latin typeface="Arial"/>
+            </a:endParaRPr>
+          </a:p>
+        </p:txBody>
+      </p:sp>
+      <p:sp>
+        <p:nvSpPr>
+          <p:cNvPr id="107" name="PlaceHolder 3"/>
           <p:cNvSpPr>
             <a:spLocks noGrp="1"/>
           </p:cNvSpPr>
@@ -3545,18 +3367,15 @@
             <a:normAutofit/>
           </a:bodyPr>
           <a:p>
-            <a:endParaRPr b="0" lang="pt-BR" sz="3700" spc="-1" strike="noStrike">
-              <a:solidFill>
-                <a:srgbClr val="000000"/>
-              </a:solidFill>
-              <a:latin typeface="Calibri"/>
-            </a:endParaRPr>
-          </a:p>
-        </p:txBody>
-      </p:sp>
-      <p:sp>
-        <p:nvSpPr>
-          <p:cNvPr id="111" name="PlaceHolder 4"/>
+            <a:endParaRPr b="0" lang="pt-BR" sz="3200" spc="-1" strike="noStrike">
+              <a:latin typeface="Arial"/>
+            </a:endParaRPr>
+          </a:p>
+        </p:txBody>
+      </p:sp>
+      <p:sp>
+        <p:nvSpPr>
+          <p:cNvPr id="108" name="PlaceHolder 4"/>
           <p:cNvSpPr>
             <a:spLocks noGrp="1"/>
           </p:cNvSpPr>
@@ -3578,11 +3397,8 @@
             <a:normAutofit/>
           </a:bodyPr>
           <a:p>
-            <a:endParaRPr b="0" lang="pt-BR" sz="3700" spc="-1" strike="noStrike">
-              <a:solidFill>
-                <a:srgbClr val="000000"/>
-              </a:solidFill>
-              <a:latin typeface="Calibri"/>
+            <a:endParaRPr b="0" lang="pt-BR" sz="3200" spc="-1" strike="noStrike">
+              <a:latin typeface="Arial"/>
             </a:endParaRPr>
           </a:p>
         </p:txBody>
@@ -3611,7 +3427,7 @@
       </p:grpSpPr>
       <p:sp>
         <p:nvSpPr>
-          <p:cNvPr id="112" name="PlaceHolder 1"/>
+          <p:cNvPr id="109" name="PlaceHolder 1"/>
           <p:cNvSpPr>
             <a:spLocks noGrp="1"/>
           </p:cNvSpPr>
@@ -3621,8 +3437,8 @@
         </p:nvSpPr>
         <p:spPr>
           <a:xfrm>
-            <a:off x="672120" y="248040"/>
-            <a:ext cx="12098160" cy="977400"/>
+            <a:off x="672120" y="301680"/>
+            <a:ext cx="12098160" cy="1262160"/>
           </a:xfrm>
           <a:prstGeom prst="rect">
             <a:avLst/>
@@ -3633,18 +3449,16 @@
             <a:noAutofit/>
           </a:bodyPr>
           <a:p>
-            <a:endParaRPr b="0" lang="pt-BR" sz="2100" spc="-1" strike="noStrike">
-              <a:solidFill>
-                <a:srgbClr val="000000"/>
-              </a:solidFill>
-              <a:latin typeface="Calibri"/>
-            </a:endParaRPr>
-          </a:p>
-        </p:txBody>
-      </p:sp>
-      <p:sp>
-        <p:nvSpPr>
-          <p:cNvPr id="113" name="PlaceHolder 2"/>
+            <a:pPr algn="ctr"/>
+            <a:endParaRPr b="0" lang="pt-BR" sz="4400" spc="-1" strike="noStrike">
+              <a:latin typeface="Arial"/>
+            </a:endParaRPr>
+          </a:p>
+        </p:txBody>
+      </p:sp>
+      <p:sp>
+        <p:nvSpPr>
+          <p:cNvPr id="110" name="PlaceHolder 2"/>
           <p:cNvSpPr>
             <a:spLocks noGrp="1"/>
           </p:cNvSpPr>
@@ -3666,18 +3480,15 @@
             <a:normAutofit/>
           </a:bodyPr>
           <a:p>
-            <a:endParaRPr b="0" lang="pt-BR" sz="3700" spc="-1" strike="noStrike">
-              <a:solidFill>
-                <a:srgbClr val="000000"/>
-              </a:solidFill>
-              <a:latin typeface="Calibri"/>
-            </a:endParaRPr>
-          </a:p>
-        </p:txBody>
-      </p:sp>
-      <p:sp>
-        <p:nvSpPr>
-          <p:cNvPr id="114" name="PlaceHolder 3"/>
+            <a:endParaRPr b="0" lang="pt-BR" sz="3200" spc="-1" strike="noStrike">
+              <a:latin typeface="Arial"/>
+            </a:endParaRPr>
+          </a:p>
+        </p:txBody>
+      </p:sp>
+      <p:sp>
+        <p:nvSpPr>
+          <p:cNvPr id="111" name="PlaceHolder 3"/>
           <p:cNvSpPr>
             <a:spLocks noGrp="1"/>
           </p:cNvSpPr>
@@ -3699,11 +3510,8 @@
             <a:normAutofit/>
           </a:bodyPr>
           <a:p>
-            <a:endParaRPr b="0" lang="pt-BR" sz="3700" spc="-1" strike="noStrike">
-              <a:solidFill>
-                <a:srgbClr val="000000"/>
-              </a:solidFill>
-              <a:latin typeface="Calibri"/>
+            <a:endParaRPr b="0" lang="pt-BR" sz="3200" spc="-1" strike="noStrike">
+              <a:latin typeface="Arial"/>
             </a:endParaRPr>
           </a:p>
         </p:txBody>
@@ -3732,7 +3540,7 @@
       </p:grpSpPr>
       <p:sp>
         <p:nvSpPr>
-          <p:cNvPr id="115" name="PlaceHolder 1"/>
+          <p:cNvPr id="112" name="PlaceHolder 1"/>
           <p:cNvSpPr>
             <a:spLocks noGrp="1"/>
           </p:cNvSpPr>
@@ -3742,8 +3550,8 @@
         </p:nvSpPr>
         <p:spPr>
           <a:xfrm>
-            <a:off x="672120" y="248040"/>
-            <a:ext cx="12098160" cy="977400"/>
+            <a:off x="672120" y="301680"/>
+            <a:ext cx="12098160" cy="1262160"/>
           </a:xfrm>
           <a:prstGeom prst="rect">
             <a:avLst/>
@@ -3754,18 +3562,16 @@
             <a:noAutofit/>
           </a:bodyPr>
           <a:p>
-            <a:endParaRPr b="0" lang="pt-BR" sz="2100" spc="-1" strike="noStrike">
-              <a:solidFill>
-                <a:srgbClr val="000000"/>
-              </a:solidFill>
-              <a:latin typeface="Calibri"/>
-            </a:endParaRPr>
-          </a:p>
-        </p:txBody>
-      </p:sp>
-      <p:sp>
-        <p:nvSpPr>
-          <p:cNvPr id="116" name="PlaceHolder 2"/>
+            <a:pPr algn="ctr"/>
+            <a:endParaRPr b="0" lang="pt-BR" sz="4400" spc="-1" strike="noStrike">
+              <a:latin typeface="Arial"/>
+            </a:endParaRPr>
+          </a:p>
+        </p:txBody>
+      </p:sp>
+      <p:sp>
+        <p:nvSpPr>
+          <p:cNvPr id="113" name="PlaceHolder 2"/>
           <p:cNvSpPr>
             <a:spLocks noGrp="1"/>
           </p:cNvSpPr>
@@ -3787,18 +3593,15 @@
             <a:normAutofit/>
           </a:bodyPr>
           <a:p>
-            <a:endParaRPr b="0" lang="pt-BR" sz="3700" spc="-1" strike="noStrike">
-              <a:solidFill>
-                <a:srgbClr val="000000"/>
-              </a:solidFill>
-              <a:latin typeface="Calibri"/>
-            </a:endParaRPr>
-          </a:p>
-        </p:txBody>
-      </p:sp>
-      <p:sp>
-        <p:nvSpPr>
-          <p:cNvPr id="117" name="PlaceHolder 3"/>
+            <a:endParaRPr b="0" lang="pt-BR" sz="3200" spc="-1" strike="noStrike">
+              <a:latin typeface="Arial"/>
+            </a:endParaRPr>
+          </a:p>
+        </p:txBody>
+      </p:sp>
+      <p:sp>
+        <p:nvSpPr>
+          <p:cNvPr id="114" name="PlaceHolder 3"/>
           <p:cNvSpPr>
             <a:spLocks noGrp="1"/>
           </p:cNvSpPr>
@@ -3820,18 +3623,15 @@
             <a:normAutofit/>
           </a:bodyPr>
           <a:p>
-            <a:endParaRPr b="0" lang="pt-BR" sz="3700" spc="-1" strike="noStrike">
-              <a:solidFill>
-                <a:srgbClr val="000000"/>
-              </a:solidFill>
-              <a:latin typeface="Calibri"/>
-            </a:endParaRPr>
-          </a:p>
-        </p:txBody>
-      </p:sp>
-      <p:sp>
-        <p:nvSpPr>
-          <p:cNvPr id="118" name="PlaceHolder 4"/>
+            <a:endParaRPr b="0" lang="pt-BR" sz="3200" spc="-1" strike="noStrike">
+              <a:latin typeface="Arial"/>
+            </a:endParaRPr>
+          </a:p>
+        </p:txBody>
+      </p:sp>
+      <p:sp>
+        <p:nvSpPr>
+          <p:cNvPr id="115" name="PlaceHolder 4"/>
           <p:cNvSpPr>
             <a:spLocks noGrp="1"/>
           </p:cNvSpPr>
@@ -3853,18 +3653,15 @@
             <a:normAutofit/>
           </a:bodyPr>
           <a:p>
-            <a:endParaRPr b="0" lang="pt-BR" sz="3700" spc="-1" strike="noStrike">
-              <a:solidFill>
-                <a:srgbClr val="000000"/>
-              </a:solidFill>
-              <a:latin typeface="Calibri"/>
-            </a:endParaRPr>
-          </a:p>
-        </p:txBody>
-      </p:sp>
-      <p:sp>
-        <p:nvSpPr>
-          <p:cNvPr id="119" name="PlaceHolder 5"/>
+            <a:endParaRPr b="0" lang="pt-BR" sz="3200" spc="-1" strike="noStrike">
+              <a:latin typeface="Arial"/>
+            </a:endParaRPr>
+          </a:p>
+        </p:txBody>
+      </p:sp>
+      <p:sp>
+        <p:nvSpPr>
+          <p:cNvPr id="116" name="PlaceHolder 5"/>
           <p:cNvSpPr>
             <a:spLocks noGrp="1"/>
           </p:cNvSpPr>
@@ -3886,11 +3683,8 @@
             <a:normAutofit/>
           </a:bodyPr>
           <a:p>
-            <a:endParaRPr b="0" lang="pt-BR" sz="3700" spc="-1" strike="noStrike">
-              <a:solidFill>
-                <a:srgbClr val="000000"/>
-              </a:solidFill>
-              <a:latin typeface="Calibri"/>
+            <a:endParaRPr b="0" lang="pt-BR" sz="3200" spc="-1" strike="noStrike">
+              <a:latin typeface="Arial"/>
             </a:endParaRPr>
           </a:p>
         </p:txBody>
@@ -3919,7 +3713,7 @@
       </p:grpSpPr>
       <p:sp>
         <p:nvSpPr>
-          <p:cNvPr id="120" name="PlaceHolder 1"/>
+          <p:cNvPr id="117" name="PlaceHolder 1"/>
           <p:cNvSpPr>
             <a:spLocks noGrp="1"/>
           </p:cNvSpPr>
@@ -3929,8 +3723,8 @@
         </p:nvSpPr>
         <p:spPr>
           <a:xfrm>
-            <a:off x="672120" y="248040"/>
-            <a:ext cx="12098160" cy="977400"/>
+            <a:off x="672120" y="301680"/>
+            <a:ext cx="12098160" cy="1262160"/>
           </a:xfrm>
           <a:prstGeom prst="rect">
             <a:avLst/>
@@ -3941,18 +3735,16 @@
             <a:noAutofit/>
           </a:bodyPr>
           <a:p>
-            <a:endParaRPr b="0" lang="pt-BR" sz="2100" spc="-1" strike="noStrike">
-              <a:solidFill>
-                <a:srgbClr val="000000"/>
-              </a:solidFill>
-              <a:latin typeface="Calibri"/>
-            </a:endParaRPr>
-          </a:p>
-        </p:txBody>
-      </p:sp>
-      <p:sp>
-        <p:nvSpPr>
-          <p:cNvPr id="121" name="PlaceHolder 2"/>
+            <a:pPr algn="ctr"/>
+            <a:endParaRPr b="0" lang="pt-BR" sz="4400" spc="-1" strike="noStrike">
+              <a:latin typeface="Arial"/>
+            </a:endParaRPr>
+          </a:p>
+        </p:txBody>
+      </p:sp>
+      <p:sp>
+        <p:nvSpPr>
+          <p:cNvPr id="118" name="PlaceHolder 2"/>
           <p:cNvSpPr>
             <a:spLocks noGrp="1"/>
           </p:cNvSpPr>
@@ -3974,18 +3766,15 @@
             <a:normAutofit/>
           </a:bodyPr>
           <a:p>
-            <a:endParaRPr b="0" lang="pt-BR" sz="3700" spc="-1" strike="noStrike">
-              <a:solidFill>
-                <a:srgbClr val="000000"/>
-              </a:solidFill>
-              <a:latin typeface="Calibri"/>
-            </a:endParaRPr>
-          </a:p>
-        </p:txBody>
-      </p:sp>
-      <p:sp>
-        <p:nvSpPr>
-          <p:cNvPr id="122" name="PlaceHolder 3"/>
+            <a:endParaRPr b="0" lang="pt-BR" sz="3200" spc="-1" strike="noStrike">
+              <a:latin typeface="Arial"/>
+            </a:endParaRPr>
+          </a:p>
+        </p:txBody>
+      </p:sp>
+      <p:sp>
+        <p:nvSpPr>
+          <p:cNvPr id="119" name="PlaceHolder 3"/>
           <p:cNvSpPr>
             <a:spLocks noGrp="1"/>
           </p:cNvSpPr>
@@ -4007,18 +3796,15 @@
             <a:normAutofit/>
           </a:bodyPr>
           <a:p>
-            <a:endParaRPr b="0" lang="pt-BR" sz="3700" spc="-1" strike="noStrike">
-              <a:solidFill>
-                <a:srgbClr val="000000"/>
-              </a:solidFill>
-              <a:latin typeface="Calibri"/>
-            </a:endParaRPr>
-          </a:p>
-        </p:txBody>
-      </p:sp>
-      <p:sp>
-        <p:nvSpPr>
-          <p:cNvPr id="123" name="PlaceHolder 4"/>
+            <a:endParaRPr b="0" lang="pt-BR" sz="3200" spc="-1" strike="noStrike">
+              <a:latin typeface="Arial"/>
+            </a:endParaRPr>
+          </a:p>
+        </p:txBody>
+      </p:sp>
+      <p:sp>
+        <p:nvSpPr>
+          <p:cNvPr id="120" name="PlaceHolder 4"/>
           <p:cNvSpPr>
             <a:spLocks noGrp="1"/>
           </p:cNvSpPr>
@@ -4040,18 +3826,15 @@
             <a:normAutofit/>
           </a:bodyPr>
           <a:p>
-            <a:endParaRPr b="0" lang="pt-BR" sz="3700" spc="-1" strike="noStrike">
-              <a:solidFill>
-                <a:srgbClr val="000000"/>
-              </a:solidFill>
-              <a:latin typeface="Calibri"/>
-            </a:endParaRPr>
-          </a:p>
-        </p:txBody>
-      </p:sp>
-      <p:sp>
-        <p:nvSpPr>
-          <p:cNvPr id="124" name="PlaceHolder 5"/>
+            <a:endParaRPr b="0" lang="pt-BR" sz="3200" spc="-1" strike="noStrike">
+              <a:latin typeface="Arial"/>
+            </a:endParaRPr>
+          </a:p>
+        </p:txBody>
+      </p:sp>
+      <p:sp>
+        <p:nvSpPr>
+          <p:cNvPr id="121" name="PlaceHolder 5"/>
           <p:cNvSpPr>
             <a:spLocks noGrp="1"/>
           </p:cNvSpPr>
@@ -4073,18 +3856,15 @@
             <a:normAutofit/>
           </a:bodyPr>
           <a:p>
-            <a:endParaRPr b="0" lang="pt-BR" sz="3700" spc="-1" strike="noStrike">
-              <a:solidFill>
-                <a:srgbClr val="000000"/>
-              </a:solidFill>
-              <a:latin typeface="Calibri"/>
-            </a:endParaRPr>
-          </a:p>
-        </p:txBody>
-      </p:sp>
-      <p:sp>
-        <p:nvSpPr>
-          <p:cNvPr id="125" name="PlaceHolder 6"/>
+            <a:endParaRPr b="0" lang="pt-BR" sz="3200" spc="-1" strike="noStrike">
+              <a:latin typeface="Arial"/>
+            </a:endParaRPr>
+          </a:p>
+        </p:txBody>
+      </p:sp>
+      <p:sp>
+        <p:nvSpPr>
+          <p:cNvPr id="122" name="PlaceHolder 6"/>
           <p:cNvSpPr>
             <a:spLocks noGrp="1"/>
           </p:cNvSpPr>
@@ -4106,18 +3886,15 @@
             <a:normAutofit/>
           </a:bodyPr>
           <a:p>
-            <a:endParaRPr b="0" lang="pt-BR" sz="3700" spc="-1" strike="noStrike">
-              <a:solidFill>
-                <a:srgbClr val="000000"/>
-              </a:solidFill>
-              <a:latin typeface="Calibri"/>
-            </a:endParaRPr>
-          </a:p>
-        </p:txBody>
-      </p:sp>
-      <p:sp>
-        <p:nvSpPr>
-          <p:cNvPr id="126" name="PlaceHolder 7"/>
+            <a:endParaRPr b="0" lang="pt-BR" sz="3200" spc="-1" strike="noStrike">
+              <a:latin typeface="Arial"/>
+            </a:endParaRPr>
+          </a:p>
+        </p:txBody>
+      </p:sp>
+      <p:sp>
+        <p:nvSpPr>
+          <p:cNvPr id="123" name="PlaceHolder 7"/>
           <p:cNvSpPr>
             <a:spLocks noGrp="1"/>
           </p:cNvSpPr>
@@ -4139,11 +3916,8 @@
             <a:normAutofit/>
           </a:bodyPr>
           <a:p>
-            <a:endParaRPr b="0" lang="pt-BR" sz="3700" spc="-1" strike="noStrike">
-              <a:solidFill>
-                <a:srgbClr val="000000"/>
-              </a:solidFill>
-              <a:latin typeface="Calibri"/>
+            <a:endParaRPr b="0" lang="pt-BR" sz="3200" spc="-1" strike="noStrike">
+              <a:latin typeface="Arial"/>
             </a:endParaRPr>
           </a:p>
         </p:txBody>
@@ -4182,8 +3956,8 @@
         </p:nvSpPr>
         <p:spPr>
           <a:xfrm>
-            <a:off x="672120" y="248040"/>
-            <a:ext cx="12098160" cy="977400"/>
+            <a:off x="672120" y="301680"/>
+            <a:ext cx="12098160" cy="1262160"/>
           </a:xfrm>
           <a:prstGeom prst="rect">
             <a:avLst/>
@@ -4194,11 +3968,9 @@
             <a:noAutofit/>
           </a:bodyPr>
           <a:p>
-            <a:endParaRPr b="0" lang="pt-BR" sz="2100" spc="-1" strike="noStrike">
-              <a:solidFill>
-                <a:srgbClr val="000000"/>
-              </a:solidFill>
-              <a:latin typeface="Calibri"/>
+            <a:pPr algn="ctr"/>
+            <a:endParaRPr b="0" lang="pt-BR" sz="4400" spc="-1" strike="noStrike">
+              <a:latin typeface="Arial"/>
             </a:endParaRPr>
           </a:p>
         </p:txBody>
@@ -4227,11 +3999,8 @@
             <a:normAutofit/>
           </a:bodyPr>
           <a:p>
-            <a:endParaRPr b="0" lang="pt-BR" sz="3700" spc="-1" strike="noStrike">
-              <a:solidFill>
-                <a:srgbClr val="000000"/>
-              </a:solidFill>
-              <a:latin typeface="Calibri"/>
+            <a:endParaRPr b="0" lang="pt-BR" sz="3200" spc="-1" strike="noStrike">
+              <a:latin typeface="Arial"/>
             </a:endParaRPr>
           </a:p>
         </p:txBody>
@@ -4260,11 +4029,8 @@
             <a:normAutofit/>
           </a:bodyPr>
           <a:p>
-            <a:endParaRPr b="0" lang="pt-BR" sz="3700" spc="-1" strike="noStrike">
-              <a:solidFill>
-                <a:srgbClr val="000000"/>
-              </a:solidFill>
-              <a:latin typeface="Calibri"/>
+            <a:endParaRPr b="0" lang="pt-BR" sz="3200" spc="-1" strike="noStrike">
+              <a:latin typeface="Arial"/>
             </a:endParaRPr>
           </a:p>
         </p:txBody>
@@ -4303,8 +4069,8 @@
         </p:nvSpPr>
         <p:spPr>
           <a:xfrm>
-            <a:off x="672120" y="248040"/>
-            <a:ext cx="12098160" cy="977400"/>
+            <a:off x="672120" y="301680"/>
+            <a:ext cx="12098160" cy="1262160"/>
           </a:xfrm>
           <a:prstGeom prst="rect">
             <a:avLst/>
@@ -4315,11 +4081,9 @@
             <a:noAutofit/>
           </a:bodyPr>
           <a:p>
-            <a:endParaRPr b="0" lang="pt-BR" sz="2100" spc="-1" strike="noStrike">
-              <a:solidFill>
-                <a:srgbClr val="000000"/>
-              </a:solidFill>
-              <a:latin typeface="Calibri"/>
+            <a:pPr algn="ctr"/>
+            <a:endParaRPr b="0" lang="pt-BR" sz="4400" spc="-1" strike="noStrike">
+              <a:latin typeface="Arial"/>
             </a:endParaRPr>
           </a:p>
         </p:txBody>
@@ -4358,8 +4122,8 @@
         </p:nvSpPr>
         <p:spPr>
           <a:xfrm>
-            <a:off x="672120" y="248040"/>
-            <a:ext cx="12098160" cy="4532040"/>
+            <a:off x="672120" y="301680"/>
+            <a:ext cx="12098160" cy="5851800"/>
           </a:xfrm>
           <a:prstGeom prst="rect">
             <a:avLst/>
@@ -4411,8 +4175,8 @@
         </p:nvSpPr>
         <p:spPr>
           <a:xfrm>
-            <a:off x="672120" y="248040"/>
-            <a:ext cx="12098160" cy="977400"/>
+            <a:off x="672120" y="301680"/>
+            <a:ext cx="12098160" cy="1262160"/>
           </a:xfrm>
           <a:prstGeom prst="rect">
             <a:avLst/>
@@ -4423,11 +4187,9 @@
             <a:noAutofit/>
           </a:bodyPr>
           <a:p>
-            <a:endParaRPr b="0" lang="pt-BR" sz="2100" spc="-1" strike="noStrike">
-              <a:solidFill>
-                <a:srgbClr val="000000"/>
-              </a:solidFill>
-              <a:latin typeface="Calibri"/>
+            <a:pPr algn="ctr"/>
+            <a:endParaRPr b="0" lang="pt-BR" sz="4400" spc="-1" strike="noStrike">
+              <a:latin typeface="Arial"/>
             </a:endParaRPr>
           </a:p>
         </p:txBody>
@@ -4456,11 +4218,8 @@
             <a:normAutofit/>
           </a:bodyPr>
           <a:p>
-            <a:endParaRPr b="0" lang="pt-BR" sz="3700" spc="-1" strike="noStrike">
-              <a:solidFill>
-                <a:srgbClr val="000000"/>
-              </a:solidFill>
-              <a:latin typeface="Calibri"/>
+            <a:endParaRPr b="0" lang="pt-BR" sz="3200" spc="-1" strike="noStrike">
+              <a:latin typeface="Arial"/>
             </a:endParaRPr>
           </a:p>
         </p:txBody>
@@ -4489,11 +4248,8 @@
             <a:normAutofit/>
           </a:bodyPr>
           <a:p>
-            <a:endParaRPr b="0" lang="pt-BR" sz="3700" spc="-1" strike="noStrike">
-              <a:solidFill>
-                <a:srgbClr val="000000"/>
-              </a:solidFill>
-              <a:latin typeface="Calibri"/>
+            <a:endParaRPr b="0" lang="pt-BR" sz="3200" spc="-1" strike="noStrike">
+              <a:latin typeface="Arial"/>
             </a:endParaRPr>
           </a:p>
         </p:txBody>
@@ -4522,11 +4278,8 @@
             <a:normAutofit/>
           </a:bodyPr>
           <a:p>
-            <a:endParaRPr b="0" lang="pt-BR" sz="3700" spc="-1" strike="noStrike">
-              <a:solidFill>
-                <a:srgbClr val="000000"/>
-              </a:solidFill>
-              <a:latin typeface="Calibri"/>
+            <a:endParaRPr b="0" lang="pt-BR" sz="3200" spc="-1" strike="noStrike">
+              <a:latin typeface="Arial"/>
             </a:endParaRPr>
           </a:p>
         </p:txBody>
@@ -4565,8 +4318,8 @@
         </p:nvSpPr>
         <p:spPr>
           <a:xfrm>
-            <a:off x="672120" y="248040"/>
-            <a:ext cx="12098160" cy="977400"/>
+            <a:off x="672120" y="301680"/>
+            <a:ext cx="12098160" cy="1262160"/>
           </a:xfrm>
           <a:prstGeom prst="rect">
             <a:avLst/>
@@ -4577,11 +4330,9 @@
             <a:noAutofit/>
           </a:bodyPr>
           <a:p>
-            <a:endParaRPr b="0" lang="pt-BR" sz="2100" spc="-1" strike="noStrike">
-              <a:solidFill>
-                <a:srgbClr val="000000"/>
-              </a:solidFill>
-              <a:latin typeface="Calibri"/>
+            <a:pPr algn="ctr"/>
+            <a:endParaRPr b="0" lang="pt-BR" sz="4400" spc="-1" strike="noStrike">
+              <a:latin typeface="Arial"/>
             </a:endParaRPr>
           </a:p>
         </p:txBody>
@@ -4610,11 +4361,8 @@
             <a:normAutofit/>
           </a:bodyPr>
           <a:p>
-            <a:endParaRPr b="0" lang="pt-BR" sz="3700" spc="-1" strike="noStrike">
-              <a:solidFill>
-                <a:srgbClr val="000000"/>
-              </a:solidFill>
-              <a:latin typeface="Calibri"/>
+            <a:endParaRPr b="0" lang="pt-BR" sz="3200" spc="-1" strike="noStrike">
+              <a:latin typeface="Arial"/>
             </a:endParaRPr>
           </a:p>
         </p:txBody>
@@ -4643,11 +4391,8 @@
             <a:normAutofit/>
           </a:bodyPr>
           <a:p>
-            <a:endParaRPr b="0" lang="pt-BR" sz="3700" spc="-1" strike="noStrike">
-              <a:solidFill>
-                <a:srgbClr val="000000"/>
-              </a:solidFill>
-              <a:latin typeface="Calibri"/>
+            <a:endParaRPr b="0" lang="pt-BR" sz="3200" spc="-1" strike="noStrike">
+              <a:latin typeface="Arial"/>
             </a:endParaRPr>
           </a:p>
         </p:txBody>
@@ -4676,11 +4421,8 @@
             <a:normAutofit/>
           </a:bodyPr>
           <a:p>
-            <a:endParaRPr b="0" lang="pt-BR" sz="3700" spc="-1" strike="noStrike">
-              <a:solidFill>
-                <a:srgbClr val="000000"/>
-              </a:solidFill>
-              <a:latin typeface="Calibri"/>
+            <a:endParaRPr b="0" lang="pt-BR" sz="3200" spc="-1" strike="noStrike">
+              <a:latin typeface="Arial"/>
             </a:endParaRPr>
           </a:p>
         </p:txBody>
@@ -4719,8 +4461,8 @@
         </p:nvSpPr>
         <p:spPr>
           <a:xfrm>
-            <a:off x="672120" y="248040"/>
-            <a:ext cx="12098160" cy="977400"/>
+            <a:off x="672120" y="301680"/>
+            <a:ext cx="12098160" cy="1262160"/>
           </a:xfrm>
           <a:prstGeom prst="rect">
             <a:avLst/>
@@ -4731,11 +4473,9 @@
             <a:noAutofit/>
           </a:bodyPr>
           <a:p>
-            <a:endParaRPr b="0" lang="pt-BR" sz="2100" spc="-1" strike="noStrike">
-              <a:solidFill>
-                <a:srgbClr val="000000"/>
-              </a:solidFill>
-              <a:latin typeface="Calibri"/>
+            <a:pPr algn="ctr"/>
+            <a:endParaRPr b="0" lang="pt-BR" sz="4400" spc="-1" strike="noStrike">
+              <a:latin typeface="Arial"/>
             </a:endParaRPr>
           </a:p>
         </p:txBody>
@@ -4764,11 +4504,8 @@
             <a:normAutofit/>
           </a:bodyPr>
           <a:p>
-            <a:endParaRPr b="0" lang="pt-BR" sz="3700" spc="-1" strike="noStrike">
-              <a:solidFill>
-                <a:srgbClr val="000000"/>
-              </a:solidFill>
-              <a:latin typeface="Calibri"/>
+            <a:endParaRPr b="0" lang="pt-BR" sz="3200" spc="-1" strike="noStrike">
+              <a:latin typeface="Arial"/>
             </a:endParaRPr>
           </a:p>
         </p:txBody>
@@ -4797,11 +4534,8 @@
             <a:normAutofit/>
           </a:bodyPr>
           <a:p>
-            <a:endParaRPr b="0" lang="pt-BR" sz="3700" spc="-1" strike="noStrike">
-              <a:solidFill>
-                <a:srgbClr val="000000"/>
-              </a:solidFill>
-              <a:latin typeface="Calibri"/>
+            <a:endParaRPr b="0" lang="pt-BR" sz="3200" spc="-1" strike="noStrike">
+              <a:latin typeface="Arial"/>
             </a:endParaRPr>
           </a:p>
         </p:txBody>
@@ -4830,11 +4564,8 @@
             <a:normAutofit/>
           </a:bodyPr>
           <a:p>
-            <a:endParaRPr b="0" lang="pt-BR" sz="3700" spc="-1" strike="noStrike">
-              <a:solidFill>
-                <a:srgbClr val="000000"/>
-              </a:solidFill>
-              <a:latin typeface="Calibri"/>
+            <a:endParaRPr b="0" lang="pt-BR" sz="3200" spc="-1" strike="noStrike">
+              <a:latin typeface="Arial"/>
             </a:endParaRPr>
           </a:p>
         </p:txBody>
@@ -4877,7 +4608,7 @@
         <p:spPr>
           <a:xfrm>
             <a:off x="0" y="157320"/>
-            <a:ext cx="4793400" cy="7403760"/>
+            <a:ext cx="4793040" cy="7403400"/>
           </a:xfrm>
           <a:custGeom>
             <a:avLst/>
@@ -5300,7 +5031,7 @@
         <p:spPr>
           <a:xfrm>
             <a:off x="8655120" y="0"/>
-            <a:ext cx="4787280" cy="6312960"/>
+            <a:ext cx="4786920" cy="6312600"/>
           </a:xfrm>
           <a:custGeom>
             <a:avLst/>
@@ -6157,7 +5888,7 @@
         <p:spPr>
           <a:xfrm>
             <a:off x="0" y="3408480"/>
-            <a:ext cx="3911040" cy="4152600"/>
+            <a:ext cx="3910680" cy="4152240"/>
           </a:xfrm>
           <a:custGeom>
             <a:avLst/>
@@ -6328,7 +6059,7 @@
         <p:spPr>
           <a:xfrm>
             <a:off x="3031560" y="3630600"/>
-            <a:ext cx="1105200" cy="2499840"/>
+            <a:ext cx="1104840" cy="2499480"/>
           </a:xfrm>
           <a:custGeom>
             <a:avLst/>
@@ -6379,7 +6110,7 @@
         <p:spPr>
           <a:xfrm>
             <a:off x="8856720" y="1057320"/>
-            <a:ext cx="1101240" cy="2487240"/>
+            <a:ext cx="1100880" cy="2486880"/>
           </a:xfrm>
           <a:custGeom>
             <a:avLst/>
@@ -6434,7 +6165,7 @@
         <p:spPr>
           <a:xfrm>
             <a:off x="4002840" y="2990520"/>
-            <a:ext cx="5436720" cy="1611360"/>
+            <a:ext cx="5436360" cy="1611000"/>
           </a:xfrm>
           <a:prstGeom prst="rect">
             <a:avLst/>
@@ -6468,20 +6199,15 @@
             <a:noAutofit/>
           </a:bodyPr>
           <a:p>
+            <a:pPr algn="ctr"/>
             <a:r>
-              <a:rPr b="0" lang="pt-BR" sz="2100" spc="-1" strike="noStrike">
-                <a:solidFill>
-                  <a:srgbClr val="000000"/>
-                </a:solidFill>
-                <a:latin typeface="Calibri"/>
+              <a:rPr b="0" lang="pt-BR" sz="4400" spc="-1" strike="noStrike">
+                <a:latin typeface="Arial"/>
               </a:rPr>
               <a:t>Clique para editar o formato do texto do título</a:t>
             </a:r>
-            <a:endParaRPr b="0" lang="pt-BR" sz="2100" spc="-1" strike="noStrike">
-              <a:solidFill>
-                <a:srgbClr val="000000"/>
-              </a:solidFill>
-              <a:latin typeface="Calibri"/>
+            <a:endParaRPr b="0" lang="pt-BR" sz="4400" spc="-1" strike="noStrike">
+              <a:latin typeface="Arial"/>
             </a:endParaRPr>
           </a:p>
         </p:txBody>
@@ -6522,55 +6248,13 @@
               <a:buChar char=""/>
             </a:pPr>
             <a:r>
-              <a:rPr b="0" lang="pt-BR" sz="3700" spc="-1" strike="noStrike">
-                <a:solidFill>
-                  <a:srgbClr val="000000"/>
-                </a:solidFill>
-                <a:latin typeface="Calibri"/>
+              <a:rPr b="0" lang="pt-BR" sz="3200" spc="-1" strike="noStrike">
+                <a:latin typeface="Arial"/>
               </a:rPr>
-              <a:t>Clique para </a:t>
+              <a:t>Clique para editar o formato do texto da estrutura de tópicos</a:t>
             </a:r>
-            <a:r>
-              <a:rPr b="0" lang="pt-BR" sz="3700" spc="-1" strike="noStrike">
-                <a:solidFill>
-                  <a:srgbClr val="000000"/>
-                </a:solidFill>
-                <a:latin typeface="Calibri"/>
-              </a:rPr>
-              <a:t>editar o formato </a:t>
-            </a:r>
-            <a:r>
-              <a:rPr b="0" lang="pt-BR" sz="3700" spc="-1" strike="noStrike">
-                <a:solidFill>
-                  <a:srgbClr val="000000"/>
-                </a:solidFill>
-                <a:latin typeface="Calibri"/>
-              </a:rPr>
-              <a:t>do texto da </a:t>
-            </a:r>
-            <a:r>
-              <a:rPr b="0" lang="pt-BR" sz="3700" spc="-1" strike="noStrike">
-                <a:solidFill>
-                  <a:srgbClr val="000000"/>
-                </a:solidFill>
-                <a:latin typeface="Calibri"/>
-              </a:rPr>
-              <a:t>estrutura de </a:t>
-            </a:r>
-            <a:r>
-              <a:rPr b="0" lang="pt-BR" sz="3700" spc="-1" strike="noStrike">
-                <a:solidFill>
-                  <a:srgbClr val="000000"/>
-                </a:solidFill>
-                <a:latin typeface="Calibri"/>
-              </a:rPr>
-              <a:t>tópicos</a:t>
-            </a:r>
-            <a:endParaRPr b="0" lang="pt-BR" sz="3700" spc="-1" strike="noStrike">
-              <a:solidFill>
-                <a:srgbClr val="000000"/>
-              </a:solidFill>
-              <a:latin typeface="Calibri"/>
+            <a:endParaRPr b="0" lang="pt-BR" sz="3200" spc="-1" strike="noStrike">
+              <a:latin typeface="Arial"/>
             </a:endParaRPr>
           </a:p>
           <a:p>
@@ -6586,28 +6270,13 @@
               <a:buChar char=""/>
             </a:pPr>
             <a:r>
-              <a:rPr b="0" lang="pt-BR" sz="2700" spc="-1" strike="noStrike">
-                <a:solidFill>
-                  <a:srgbClr val="000000"/>
-                </a:solidFill>
-                <a:latin typeface="Calibri"/>
+              <a:rPr b="0" lang="pt-BR" sz="2800" spc="-1" strike="noStrike">
+                <a:latin typeface="Arial"/>
               </a:rPr>
-              <a:t>2.º nível da </a:t>
+              <a:t>2.º nível da estrutura de tópicos</a:t>
             </a:r>
-            <a:r>
-              <a:rPr b="0" lang="pt-BR" sz="2700" spc="-1" strike="noStrike">
-                <a:solidFill>
-                  <a:srgbClr val="000000"/>
-                </a:solidFill>
-                <a:latin typeface="Calibri"/>
-              </a:rPr>
-              <a:t>estrutura de tópicos</a:t>
-            </a:r>
-            <a:endParaRPr b="0" lang="pt-BR" sz="2700" spc="-1" strike="noStrike">
-              <a:solidFill>
-                <a:srgbClr val="000000"/>
-              </a:solidFill>
-              <a:latin typeface="Calibri"/>
+            <a:endParaRPr b="0" lang="pt-BR" sz="2800" spc="-1" strike="noStrike">
+              <a:latin typeface="Arial"/>
             </a:endParaRPr>
           </a:p>
           <a:p>
@@ -6623,28 +6292,13 @@
               <a:buChar char=""/>
             </a:pPr>
             <a:r>
-              <a:rPr b="0" lang="pt-BR" sz="2300" spc="-1" strike="noStrike">
-                <a:solidFill>
-                  <a:srgbClr val="000000"/>
-                </a:solidFill>
-                <a:latin typeface="Calibri"/>
+              <a:rPr b="0" lang="pt-BR" sz="2400" spc="-1" strike="noStrike">
+                <a:latin typeface="Arial"/>
               </a:rPr>
-              <a:t>3.º nível da </a:t>
+              <a:t>3.º nível da estrutura de tópicos</a:t>
             </a:r>
-            <a:r>
-              <a:rPr b="0" lang="pt-BR" sz="2300" spc="-1" strike="noStrike">
-                <a:solidFill>
-                  <a:srgbClr val="000000"/>
-                </a:solidFill>
-                <a:latin typeface="Calibri"/>
-              </a:rPr>
-              <a:t>estrutura de tópicos</a:t>
-            </a:r>
-            <a:endParaRPr b="0" lang="pt-BR" sz="2300" spc="-1" strike="noStrike">
-              <a:solidFill>
-                <a:srgbClr val="000000"/>
-              </a:solidFill>
-              <a:latin typeface="Calibri"/>
+            <a:endParaRPr b="0" lang="pt-BR" sz="2400" spc="-1" strike="noStrike">
+              <a:latin typeface="Arial"/>
             </a:endParaRPr>
           </a:p>
           <a:p>
@@ -6660,37 +6314,13 @@
               <a:buChar char=""/>
             </a:pPr>
             <a:r>
-              <a:rPr b="0" lang="pt-BR" sz="2300" spc="-1" strike="noStrike">
-                <a:solidFill>
-                  <a:srgbClr val="000000"/>
-                </a:solidFill>
-                <a:latin typeface="Calibri"/>
+              <a:rPr b="0" lang="pt-BR" sz="2000" spc="-1" strike="noStrike">
+                <a:latin typeface="Arial"/>
               </a:rPr>
-              <a:t>4.º nível da </a:t>
+              <a:t>4.º nível da estrutura de tópicos</a:t>
             </a:r>
-            <a:r>
-              <a:rPr b="0" lang="pt-BR" sz="2300" spc="-1" strike="noStrike">
-                <a:solidFill>
-                  <a:srgbClr val="000000"/>
-                </a:solidFill>
-                <a:latin typeface="Calibri"/>
-              </a:rPr>
-              <a:t>estrutura de </a:t>
-            </a:r>
-            <a:r>
-              <a:rPr b="0" lang="pt-BR" sz="2300" spc="-1" strike="noStrike">
-                <a:solidFill>
-                  <a:srgbClr val="000000"/>
-                </a:solidFill>
-                <a:latin typeface="Calibri"/>
-              </a:rPr>
-              <a:t>tópicos</a:t>
-            </a:r>
-            <a:endParaRPr b="0" lang="pt-BR" sz="2300" spc="-1" strike="noStrike">
-              <a:solidFill>
-                <a:srgbClr val="000000"/>
-              </a:solidFill>
-              <a:latin typeface="Calibri"/>
+            <a:endParaRPr b="0" lang="pt-BR" sz="2000" spc="-1" strike="noStrike">
+              <a:latin typeface="Arial"/>
             </a:endParaRPr>
           </a:p>
           <a:p>
@@ -6707,36 +6337,12 @@
             </a:pPr>
             <a:r>
               <a:rPr b="0" lang="pt-BR" sz="2000" spc="-1" strike="noStrike">
-                <a:solidFill>
-                  <a:srgbClr val="000000"/>
-                </a:solidFill>
-                <a:latin typeface="Calibri"/>
+                <a:latin typeface="Arial"/>
               </a:rPr>
-              <a:t>5.º nível da </a:t>
-            </a:r>
-            <a:r>
-              <a:rPr b="0" lang="pt-BR" sz="2000" spc="-1" strike="noStrike">
-                <a:solidFill>
-                  <a:srgbClr val="000000"/>
-                </a:solidFill>
-                <a:latin typeface="Calibri"/>
-              </a:rPr>
-              <a:t>estrutura de </a:t>
-            </a:r>
-            <a:r>
-              <a:rPr b="0" lang="pt-BR" sz="2000" spc="-1" strike="noStrike">
-                <a:solidFill>
-                  <a:srgbClr val="000000"/>
-                </a:solidFill>
-                <a:latin typeface="Calibri"/>
-              </a:rPr>
-              <a:t>tópicos</a:t>
+              <a:t>5.º nível da estrutura de tópicos</a:t>
             </a:r>
             <a:endParaRPr b="0" lang="pt-BR" sz="2000" spc="-1" strike="noStrike">
-              <a:solidFill>
-                <a:srgbClr val="000000"/>
-              </a:solidFill>
-              <a:latin typeface="Calibri"/>
+              <a:latin typeface="Arial"/>
             </a:endParaRPr>
           </a:p>
           <a:p>
@@ -6753,36 +6359,12 @@
             </a:pPr>
             <a:r>
               <a:rPr b="0" lang="pt-BR" sz="2000" spc="-1" strike="noStrike">
-                <a:solidFill>
-                  <a:srgbClr val="000000"/>
-                </a:solidFill>
-                <a:latin typeface="Calibri"/>
+                <a:latin typeface="Arial"/>
               </a:rPr>
-              <a:t>6.º nível da </a:t>
-            </a:r>
-            <a:r>
-              <a:rPr b="0" lang="pt-BR" sz="2000" spc="-1" strike="noStrike">
-                <a:solidFill>
-                  <a:srgbClr val="000000"/>
-                </a:solidFill>
-                <a:latin typeface="Calibri"/>
-              </a:rPr>
-              <a:t>estrutura de </a:t>
-            </a:r>
-            <a:r>
-              <a:rPr b="0" lang="pt-BR" sz="2000" spc="-1" strike="noStrike">
-                <a:solidFill>
-                  <a:srgbClr val="000000"/>
-                </a:solidFill>
-                <a:latin typeface="Calibri"/>
-              </a:rPr>
-              <a:t>tópicos</a:t>
+              <a:t>6.º nível da estrutura de tópicos</a:t>
             </a:r>
             <a:endParaRPr b="0" lang="pt-BR" sz="2000" spc="-1" strike="noStrike">
-              <a:solidFill>
-                <a:srgbClr val="000000"/>
-              </a:solidFill>
-              <a:latin typeface="Calibri"/>
+              <a:latin typeface="Arial"/>
             </a:endParaRPr>
           </a:p>
           <a:p>
@@ -6799,45 +6381,12 @@
             </a:pPr>
             <a:r>
               <a:rPr b="0" lang="pt-BR" sz="2000" spc="-1" strike="noStrike">
-                <a:solidFill>
-                  <a:srgbClr val="000000"/>
-                </a:solidFill>
-                <a:latin typeface="Calibri"/>
+                <a:latin typeface="Arial"/>
               </a:rPr>
-              <a:t>7.º nível </a:t>
-            </a:r>
-            <a:r>
-              <a:rPr b="0" lang="pt-BR" sz="2000" spc="-1" strike="noStrike">
-                <a:solidFill>
-                  <a:srgbClr val="000000"/>
-                </a:solidFill>
-                <a:latin typeface="Calibri"/>
-              </a:rPr>
-              <a:t>da </a:t>
-            </a:r>
-            <a:r>
-              <a:rPr b="0" lang="pt-BR" sz="2000" spc="-1" strike="noStrike">
-                <a:solidFill>
-                  <a:srgbClr val="000000"/>
-                </a:solidFill>
-                <a:latin typeface="Calibri"/>
-              </a:rPr>
-              <a:t>estrutura </a:t>
-            </a:r>
-            <a:r>
-              <a:rPr b="0" lang="pt-BR" sz="2000" spc="-1" strike="noStrike">
-                <a:solidFill>
-                  <a:srgbClr val="000000"/>
-                </a:solidFill>
-                <a:latin typeface="Calibri"/>
-              </a:rPr>
-              <a:t>de tópicos</a:t>
+              <a:t>7.º nível da estrutura de tópicos</a:t>
             </a:r>
             <a:endParaRPr b="0" lang="pt-BR" sz="2000" spc="-1" strike="noStrike">
-              <a:solidFill>
-                <a:srgbClr val="000000"/>
-              </a:solidFill>
-              <a:latin typeface="Calibri"/>
+              <a:latin typeface="Arial"/>
             </a:endParaRPr>
           </a:p>
         </p:txBody>
@@ -6895,7 +6444,7 @@
         <p:spPr>
           <a:xfrm>
             <a:off x="0" y="0"/>
-            <a:ext cx="13442760" cy="7561080"/>
+            <a:ext cx="13442400" cy="7560720"/>
           </a:xfrm>
           <a:prstGeom prst="rect">
             <a:avLst/>
@@ -6924,129 +6473,14 @@
       </p:sp>
       <p:sp>
         <p:nvSpPr>
-          <p:cNvPr id="45" name="PlaceHolder 2"/>
-          <p:cNvSpPr>
-            <a:spLocks noGrp="1"/>
-          </p:cNvSpPr>
-          <p:nvPr>
-            <p:ph type="body"/>
-          </p:nvPr>
-        </p:nvSpPr>
-        <p:spPr>
-          <a:xfrm>
-            <a:off x="8135640" y="1404360"/>
-            <a:ext cx="4615560" cy="2809440"/>
-          </a:xfrm>
-          <a:prstGeom prst="rect">
-            <a:avLst/>
-          </a:prstGeom>
-        </p:spPr>
-        <p:txBody>
-          <a:bodyPr lIns="90000" rIns="90000" tIns="45000" bIns="45000" anchor="b">
-            <a:noAutofit/>
-          </a:bodyPr>
-          <a:p>
-            <a:pPr>
-              <a:lnSpc>
-                <a:spcPct val="100000"/>
-              </a:lnSpc>
-              <a:spcBef>
-                <a:spcPts val="601"/>
-              </a:spcBef>
-              <a:tabLst>
-                <a:tab algn="l" pos="0"/>
-              </a:tabLst>
-            </a:pPr>
-            <a:r>
-              <a:rPr b="1" lang="pt-BR" sz="3000" spc="-1" strike="noStrike">
-                <a:solidFill>
-                  <a:srgbClr val="32b9cd"/>
-                </a:solidFill>
-                <a:latin typeface="Exo 2"/>
-              </a:rPr>
-              <a:t>Clique para editar o </a:t>
-            </a:r>
-            <a:r>
-              <a:rPr b="1" lang="pt-BR" sz="3000" spc="-1" strike="noStrike">
-                <a:solidFill>
-                  <a:srgbClr val="32b9cd"/>
-                </a:solidFill>
-                <a:latin typeface="Exo 2"/>
-              </a:rPr>
-              <a:t>texto Título</a:t>
-            </a:r>
-            <a:endParaRPr b="0" lang="pt-BR" sz="3000" spc="-1" strike="noStrike">
-              <a:solidFill>
-                <a:srgbClr val="000000"/>
-              </a:solidFill>
-              <a:latin typeface="Calibri"/>
-            </a:endParaRPr>
-          </a:p>
-        </p:txBody>
-      </p:sp>
-      <p:sp>
-        <p:nvSpPr>
-          <p:cNvPr id="46" name="PlaceHolder 3"/>
-          <p:cNvSpPr>
-            <a:spLocks noGrp="1"/>
-          </p:cNvSpPr>
-          <p:nvPr>
-            <p:ph type="body"/>
-          </p:nvPr>
-        </p:nvSpPr>
-        <p:spPr>
-          <a:xfrm>
-            <a:off x="8135640" y="4212720"/>
-            <a:ext cx="4615560" cy="2809440"/>
-          </a:xfrm>
-          <a:prstGeom prst="rect">
-            <a:avLst/>
-          </a:prstGeom>
-        </p:spPr>
-        <p:txBody>
-          <a:bodyPr lIns="90000" rIns="90000" tIns="45000" bIns="45000">
-            <a:noAutofit/>
-          </a:bodyPr>
-          <a:p>
-            <a:pPr>
-              <a:lnSpc>
-                <a:spcPct val="100000"/>
-              </a:lnSpc>
-              <a:spcBef>
-                <a:spcPts val="400"/>
-              </a:spcBef>
-              <a:tabLst>
-                <a:tab algn="l" pos="0"/>
-              </a:tabLst>
-            </a:pPr>
-            <a:r>
-              <a:rPr b="0" lang="pt-BR" sz="2000" spc="-1" strike="noStrike">
-                <a:solidFill>
-                  <a:srgbClr val="ffffff"/>
-                </a:solidFill>
-                <a:latin typeface="Exo 2"/>
-              </a:rPr>
-              <a:t>Clique para editar o texto subtítulo</a:t>
-            </a:r>
-            <a:endParaRPr b="0" lang="pt-BR" sz="2000" spc="-1" strike="noStrike">
-              <a:solidFill>
-                <a:srgbClr val="000000"/>
-              </a:solidFill>
-              <a:latin typeface="Calibri"/>
-            </a:endParaRPr>
-          </a:p>
-        </p:txBody>
-      </p:sp>
-      <p:sp>
-        <p:nvSpPr>
-          <p:cNvPr id="47" name="CustomShape 4"/>
+          <p:cNvPr id="45" name="CustomShape 2"/>
           <p:cNvSpPr/>
           <p:nvPr/>
         </p:nvSpPr>
         <p:spPr>
           <a:xfrm>
             <a:off x="-10080" y="0"/>
-            <a:ext cx="7998480" cy="7561080"/>
+            <a:ext cx="7998120" cy="7560720"/>
           </a:xfrm>
           <a:custGeom>
             <a:avLst/>
@@ -8139,14 +7573,14 @@
       </p:sp>
       <p:sp>
         <p:nvSpPr>
-          <p:cNvPr id="48" name="CustomShape 5"/>
+          <p:cNvPr id="46" name="CustomShape 3"/>
           <p:cNvSpPr/>
           <p:nvPr/>
         </p:nvSpPr>
         <p:spPr>
           <a:xfrm>
             <a:off x="5783400" y="1927080"/>
-            <a:ext cx="1352880" cy="3076200"/>
+            <a:ext cx="1352520" cy="3075840"/>
           </a:xfrm>
           <a:custGeom>
             <a:avLst/>
@@ -8190,7 +7624,7 @@
       </p:sp>
       <p:pic>
         <p:nvPicPr>
-          <p:cNvPr id="49" name="Imagem 7" descr=""/>
+          <p:cNvPr id="47" name="Imagem 7" descr=""/>
           <p:cNvPicPr/>
           <p:nvPr/>
         </p:nvPicPr>
@@ -8201,7 +7635,7 @@
         <p:spPr>
           <a:xfrm>
             <a:off x="8312040" y="2138400"/>
-            <a:ext cx="2263320" cy="670680"/>
+            <a:ext cx="2262960" cy="670320"/>
           </a:xfrm>
           <a:prstGeom prst="rect">
             <a:avLst/>
@@ -8213,7 +7647,7 @@
       </p:pic>
       <p:sp>
         <p:nvSpPr>
-          <p:cNvPr id="50" name="PlaceHolder 6"/>
+          <p:cNvPr id="48" name="PlaceHolder 4"/>
           <p:cNvSpPr>
             <a:spLocks noGrp="1"/>
           </p:cNvSpPr>
@@ -8235,20 +7669,194 @@
             <a:noAutofit/>
           </a:bodyPr>
           <a:p>
+            <a:pPr algn="ctr"/>
             <a:r>
-              <a:rPr b="0" lang="pt-BR" sz="2100" spc="-1" strike="noStrike">
-                <a:solidFill>
-                  <a:srgbClr val="000000"/>
-                </a:solidFill>
-                <a:latin typeface="Calibri"/>
+              <a:rPr b="0" lang="pt-BR" sz="4400" spc="-1" strike="noStrike">
+                <a:latin typeface="Arial"/>
               </a:rPr>
               <a:t>Clique para editar o formato do texto do título</a:t>
             </a:r>
-            <a:endParaRPr b="0" lang="pt-BR" sz="2100" spc="-1" strike="noStrike">
-              <a:solidFill>
+            <a:endParaRPr b="0" lang="pt-BR" sz="4400" spc="-1" strike="noStrike">
+              <a:latin typeface="Arial"/>
+            </a:endParaRPr>
+          </a:p>
+        </p:txBody>
+      </p:sp>
+      <p:sp>
+        <p:nvSpPr>
+          <p:cNvPr id="49" name="PlaceHolder 5"/>
+          <p:cNvSpPr>
+            <a:spLocks noGrp="1"/>
+          </p:cNvSpPr>
+          <p:nvPr>
+            <p:ph type="body"/>
+          </p:nvPr>
+        </p:nvSpPr>
+        <p:spPr>
+          <a:xfrm>
+            <a:off x="672120" y="1769040"/>
+            <a:ext cx="12098160" cy="4385160"/>
+          </a:xfrm>
+          <a:prstGeom prst="rect">
+            <a:avLst/>
+          </a:prstGeom>
+        </p:spPr>
+        <p:txBody>
+          <a:bodyPr lIns="0" rIns="0" tIns="0" bIns="0">
+            <a:normAutofit/>
+          </a:bodyPr>
+          <a:p>
+            <a:pPr marL="432000" indent="-324000">
+              <a:spcBef>
+                <a:spcPts val="1417"/>
+              </a:spcBef>
+              <a:buClr>
                 <a:srgbClr val="000000"/>
-              </a:solidFill>
-              <a:latin typeface="Calibri"/>
+              </a:buClr>
+              <a:buSzPct val="45000"/>
+              <a:buFont typeface="Wingdings" charset="2"/>
+              <a:buChar char=""/>
+            </a:pPr>
+            <a:r>
+              <a:rPr b="0" lang="pt-BR" sz="3200" spc="-1" strike="noStrike">
+                <a:latin typeface="Arial"/>
+              </a:rPr>
+              <a:t>Clique para editar o formato do texto da estrutura de tópicos</a:t>
+            </a:r>
+            <a:endParaRPr b="0" lang="pt-BR" sz="3200" spc="-1" strike="noStrike">
+              <a:latin typeface="Arial"/>
+            </a:endParaRPr>
+          </a:p>
+          <a:p>
+            <a:pPr lvl="1" marL="864000" indent="-324000">
+              <a:spcBef>
+                <a:spcPts val="1134"/>
+              </a:spcBef>
+              <a:buClr>
+                <a:srgbClr val="000000"/>
+              </a:buClr>
+              <a:buSzPct val="75000"/>
+              <a:buFont typeface="Symbol" charset="2"/>
+              <a:buChar char=""/>
+            </a:pPr>
+            <a:r>
+              <a:rPr b="0" lang="pt-BR" sz="2800" spc="-1" strike="noStrike">
+                <a:latin typeface="Arial"/>
+              </a:rPr>
+              <a:t>2.º nível da estrutura de tópicos</a:t>
+            </a:r>
+            <a:endParaRPr b="0" lang="pt-BR" sz="2800" spc="-1" strike="noStrike">
+              <a:latin typeface="Arial"/>
+            </a:endParaRPr>
+          </a:p>
+          <a:p>
+            <a:pPr lvl="2" marL="1296000" indent="-288000">
+              <a:spcBef>
+                <a:spcPts val="850"/>
+              </a:spcBef>
+              <a:buClr>
+                <a:srgbClr val="000000"/>
+              </a:buClr>
+              <a:buSzPct val="45000"/>
+              <a:buFont typeface="Wingdings" charset="2"/>
+              <a:buChar char=""/>
+            </a:pPr>
+            <a:r>
+              <a:rPr b="0" lang="pt-BR" sz="2400" spc="-1" strike="noStrike">
+                <a:latin typeface="Arial"/>
+              </a:rPr>
+              <a:t>3.º nível da estrutura de tópicos</a:t>
+            </a:r>
+            <a:endParaRPr b="0" lang="pt-BR" sz="2400" spc="-1" strike="noStrike">
+              <a:latin typeface="Arial"/>
+            </a:endParaRPr>
+          </a:p>
+          <a:p>
+            <a:pPr lvl="3" marL="1728000" indent="-216000">
+              <a:spcBef>
+                <a:spcPts val="567"/>
+              </a:spcBef>
+              <a:buClr>
+                <a:srgbClr val="000000"/>
+              </a:buClr>
+              <a:buSzPct val="75000"/>
+              <a:buFont typeface="Symbol" charset="2"/>
+              <a:buChar char=""/>
+            </a:pPr>
+            <a:r>
+              <a:rPr b="0" lang="pt-BR" sz="2000" spc="-1" strike="noStrike">
+                <a:latin typeface="Arial"/>
+              </a:rPr>
+              <a:t>4.º nível da estrutura de tópicos</a:t>
+            </a:r>
+            <a:endParaRPr b="0" lang="pt-BR" sz="2000" spc="-1" strike="noStrike">
+              <a:latin typeface="Arial"/>
+            </a:endParaRPr>
+          </a:p>
+          <a:p>
+            <a:pPr lvl="4" marL="2160000" indent="-216000">
+              <a:spcBef>
+                <a:spcPts val="283"/>
+              </a:spcBef>
+              <a:buClr>
+                <a:srgbClr val="000000"/>
+              </a:buClr>
+              <a:buSzPct val="45000"/>
+              <a:buFont typeface="Wingdings" charset="2"/>
+              <a:buChar char=""/>
+            </a:pPr>
+            <a:r>
+              <a:rPr b="0" lang="pt-BR" sz="2000" spc="-1" strike="noStrike">
+                <a:latin typeface="Arial"/>
+              </a:rPr>
+              <a:t>5.º nível da estrutura de tópicos</a:t>
+            </a:r>
+            <a:endParaRPr b="0" lang="pt-BR" sz="2000" spc="-1" strike="noStrike">
+              <a:latin typeface="Arial"/>
+            </a:endParaRPr>
+          </a:p>
+          <a:p>
+            <a:pPr lvl="5" marL="2592000" indent="-216000">
+              <a:spcBef>
+                <a:spcPts val="283"/>
+              </a:spcBef>
+              <a:buClr>
+                <a:srgbClr val="000000"/>
+              </a:buClr>
+              <a:buSzPct val="45000"/>
+              <a:buFont typeface="Wingdings" charset="2"/>
+              <a:buChar char=""/>
+            </a:pPr>
+            <a:r>
+              <a:rPr b="0" lang="pt-BR" sz="2000" spc="-1" strike="noStrike">
+                <a:latin typeface="Arial"/>
+              </a:rPr>
+              <a:t>6.º nível da estrutura de tópicos</a:t>
+            </a:r>
+            <a:endParaRPr b="0" lang="pt-BR" sz="2000" spc="-1" strike="noStrike">
+              <a:latin typeface="Arial"/>
+            </a:endParaRPr>
+          </a:p>
+          <a:p>
+            <a:pPr lvl="6" marL="3024000" indent="-216000">
+              <a:spcBef>
+                <a:spcPts val="283"/>
+              </a:spcBef>
+              <a:buClr>
+                <a:srgbClr val="000000"/>
+              </a:buClr>
+              <a:buSzPct val="45000"/>
+              <a:buFont typeface="Wingdings" charset="2"/>
+              <a:buChar char=""/>
+            </a:pPr>
+            <a:r>
+              <a:rPr b="0" lang="pt-BR" sz="2000" spc="-1" strike="noStrike">
+                <a:latin typeface="Arial"/>
+              </a:rPr>
+              <a:t>7.º nível da estrutura de tópicos</a:t>
+            </a:r>
+            <a:endParaRPr b="0" lang="pt-BR" sz="2000" spc="-1" strike="noStrike">
+              <a:latin typeface="Arial"/>
             </a:endParaRPr>
           </a:p>
         </p:txBody>
@@ -8299,7 +7907,7 @@
       </p:grpSpPr>
       <p:sp>
         <p:nvSpPr>
-          <p:cNvPr id="87" name="PlaceHolder 1"/>
+          <p:cNvPr id="86" name="PlaceHolder 1"/>
           <p:cNvSpPr>
             <a:spLocks noGrp="1"/>
           </p:cNvSpPr>
@@ -8309,118 +7917,34 @@
         </p:nvSpPr>
         <p:spPr>
           <a:xfrm>
-            <a:off x="672120" y="248040"/>
-            <a:ext cx="12098160" cy="977400"/>
-          </a:xfrm>
-          <a:prstGeom prst="rect">
-            <a:avLst/>
-          </a:prstGeom>
-        </p:spPr>
-        <p:txBody>
-          <a:bodyPr lIns="0" rIns="0" tIns="0" bIns="0">
+            <a:off x="672120" y="301680"/>
+            <a:ext cx="12098160" cy="1262160"/>
+          </a:xfrm>
+          <a:prstGeom prst="rect">
+            <a:avLst/>
+          </a:prstGeom>
+        </p:spPr>
+        <p:txBody>
+          <a:bodyPr lIns="0" rIns="0" tIns="0" bIns="0" anchor="ctr">
             <a:noAutofit/>
           </a:bodyPr>
           <a:p>
-            <a:pPr>
-              <a:lnSpc>
-                <a:spcPts val="8232"/>
-              </a:lnSpc>
-            </a:pPr>
+            <a:pPr algn="ctr"/>
             <a:r>
-              <a:rPr b="0" lang="pt-BR" sz="5000" spc="-1" strike="noStrike">
-                <a:solidFill>
-                  <a:srgbClr val="000000"/>
-                </a:solidFill>
-                <a:latin typeface="Calibri"/>
+              <a:rPr b="0" lang="pt-BR" sz="4400" spc="-1" strike="noStrike">
+                <a:latin typeface="Arial"/>
               </a:rPr>
-              <a:t>Clique para editar o título mestre</a:t>
+              <a:t>Clique para editar o formato do texto do título</a:t>
             </a:r>
-            <a:endParaRPr b="0" lang="pt-BR" sz="5000" spc="-1" strike="noStrike">
-              <a:solidFill>
-                <a:srgbClr val="000000"/>
-              </a:solidFill>
-              <a:latin typeface="Calibri"/>
-            </a:endParaRPr>
-          </a:p>
-        </p:txBody>
-      </p:sp>
-      <p:sp>
-        <p:nvSpPr>
-          <p:cNvPr id="88" name="PlaceHolder 2"/>
-          <p:cNvSpPr>
-            <a:spLocks noGrp="1"/>
-          </p:cNvSpPr>
-          <p:nvPr>
-            <p:ph type="sldNum"/>
-          </p:nvPr>
-        </p:nvSpPr>
-        <p:spPr>
-          <a:xfrm>
-            <a:off x="12770640" y="7189200"/>
-            <a:ext cx="671760" cy="317160"/>
-          </a:xfrm>
-          <a:prstGeom prst="rect">
-            <a:avLst/>
-          </a:prstGeom>
-        </p:spPr>
-        <p:txBody>
-          <a:bodyPr anchor="ctr">
-            <a:noAutofit/>
-          </a:bodyPr>
-          <a:p>
-            <a:pPr algn="r">
-              <a:lnSpc>
-                <a:spcPct val="100000"/>
-              </a:lnSpc>
-            </a:pPr>
-            <a:fld id="{AEBDD011-F1D7-4378-9AB5-EF083171B6A0}" type="slidenum">
-              <a:rPr b="0" lang="pt-BR" sz="1470" spc="-1" strike="noStrike">
-                <a:solidFill>
-                  <a:srgbClr val="8b8b8b"/>
-                </a:solidFill>
-                <a:latin typeface="Simplon BP Regular"/>
-              </a:rPr>
-              <a:t>&lt;número&gt;</a:t>
-            </a:fld>
-            <a:endParaRPr b="0" lang="pt-BR" sz="1470" spc="-1" strike="noStrike">
-              <a:latin typeface="Times New Roman"/>
-            </a:endParaRPr>
-          </a:p>
-        </p:txBody>
-      </p:sp>
-      <p:sp>
-        <p:nvSpPr>
-          <p:cNvPr id="89" name="PlaceHolder 3"/>
-          <p:cNvSpPr>
-            <a:spLocks noGrp="1"/>
-          </p:cNvSpPr>
-          <p:nvPr>
-            <p:ph type="ftr"/>
-          </p:nvPr>
-        </p:nvSpPr>
-        <p:spPr>
-          <a:xfrm>
-            <a:off x="672120" y="148680"/>
-            <a:ext cx="5245920" cy="250200"/>
-          </a:xfrm>
-          <a:prstGeom prst="rect">
-            <a:avLst/>
-          </a:prstGeom>
-        </p:spPr>
-        <p:txBody>
-          <a:bodyPr anchor="ctr">
-            <a:noAutofit/>
-          </a:bodyPr>
-          <a:p>
-            <a:endParaRPr b="0" lang="pt-BR" sz="2400" spc="-1" strike="noStrike">
-              <a:latin typeface="Times New Roman"/>
-            </a:endParaRPr>
-          </a:p>
-        </p:txBody>
-      </p:sp>
-      <p:sp>
-        <p:nvSpPr>
-          <p:cNvPr id="90" name="PlaceHolder 4"/>
+            <a:endParaRPr b="0" lang="pt-BR" sz="4400" spc="-1" strike="noStrike">
+              <a:latin typeface="Arial"/>
+            </a:endParaRPr>
+          </a:p>
+        </p:txBody>
+      </p:sp>
+      <p:sp>
+        <p:nvSpPr>
+          <p:cNvPr id="87" name="PlaceHolder 2"/>
           <p:cNvSpPr>
             <a:spLocks noGrp="1"/>
           </p:cNvSpPr>
@@ -8454,55 +7978,13 @@
               <a:buChar char=""/>
             </a:pPr>
             <a:r>
-              <a:rPr b="0" lang="pt-BR" sz="3700" spc="-1" strike="noStrike">
-                <a:solidFill>
-                  <a:srgbClr val="000000"/>
-                </a:solidFill>
-                <a:latin typeface="Calibri"/>
+              <a:rPr b="0" lang="pt-BR" sz="3200" spc="-1" strike="noStrike">
+                <a:latin typeface="Arial"/>
               </a:rPr>
-              <a:t>Clique para </a:t>
+              <a:t>Clique para editar o formato do texto da estrutura de tópicos</a:t>
             </a:r>
-            <a:r>
-              <a:rPr b="0" lang="pt-BR" sz="3700" spc="-1" strike="noStrike">
-                <a:solidFill>
-                  <a:srgbClr val="000000"/>
-                </a:solidFill>
-                <a:latin typeface="Calibri"/>
-              </a:rPr>
-              <a:t>editar o formato </a:t>
-            </a:r>
-            <a:r>
-              <a:rPr b="0" lang="pt-BR" sz="3700" spc="-1" strike="noStrike">
-                <a:solidFill>
-                  <a:srgbClr val="000000"/>
-                </a:solidFill>
-                <a:latin typeface="Calibri"/>
-              </a:rPr>
-              <a:t>do texto da </a:t>
-            </a:r>
-            <a:r>
-              <a:rPr b="0" lang="pt-BR" sz="3700" spc="-1" strike="noStrike">
-                <a:solidFill>
-                  <a:srgbClr val="000000"/>
-                </a:solidFill>
-                <a:latin typeface="Calibri"/>
-              </a:rPr>
-              <a:t>estrutura de </a:t>
-            </a:r>
-            <a:r>
-              <a:rPr b="0" lang="pt-BR" sz="3700" spc="-1" strike="noStrike">
-                <a:solidFill>
-                  <a:srgbClr val="000000"/>
-                </a:solidFill>
-                <a:latin typeface="Calibri"/>
-              </a:rPr>
-              <a:t>tópicos</a:t>
-            </a:r>
-            <a:endParaRPr b="0" lang="pt-BR" sz="3700" spc="-1" strike="noStrike">
-              <a:solidFill>
-                <a:srgbClr val="000000"/>
-              </a:solidFill>
-              <a:latin typeface="Calibri"/>
+            <a:endParaRPr b="0" lang="pt-BR" sz="3200" spc="-1" strike="noStrike">
+              <a:latin typeface="Arial"/>
             </a:endParaRPr>
           </a:p>
           <a:p>
@@ -8518,28 +8000,13 @@
               <a:buChar char=""/>
             </a:pPr>
             <a:r>
-              <a:rPr b="0" lang="pt-BR" sz="2700" spc="-1" strike="noStrike">
-                <a:solidFill>
-                  <a:srgbClr val="000000"/>
-                </a:solidFill>
-                <a:latin typeface="Calibri"/>
+              <a:rPr b="0" lang="pt-BR" sz="2800" spc="-1" strike="noStrike">
+                <a:latin typeface="Arial"/>
               </a:rPr>
-              <a:t>2.º nível da </a:t>
+              <a:t>2.º nível da estrutura de tópicos</a:t>
             </a:r>
-            <a:r>
-              <a:rPr b="0" lang="pt-BR" sz="2700" spc="-1" strike="noStrike">
-                <a:solidFill>
-                  <a:srgbClr val="000000"/>
-                </a:solidFill>
-                <a:latin typeface="Calibri"/>
-              </a:rPr>
-              <a:t>estrutura de tópicos</a:t>
-            </a:r>
-            <a:endParaRPr b="0" lang="pt-BR" sz="2700" spc="-1" strike="noStrike">
-              <a:solidFill>
-                <a:srgbClr val="000000"/>
-              </a:solidFill>
-              <a:latin typeface="Calibri"/>
+            <a:endParaRPr b="0" lang="pt-BR" sz="2800" spc="-1" strike="noStrike">
+              <a:latin typeface="Arial"/>
             </a:endParaRPr>
           </a:p>
           <a:p>
@@ -8555,28 +8022,13 @@
               <a:buChar char=""/>
             </a:pPr>
             <a:r>
-              <a:rPr b="0" lang="pt-BR" sz="2300" spc="-1" strike="noStrike">
-                <a:solidFill>
-                  <a:srgbClr val="000000"/>
-                </a:solidFill>
-                <a:latin typeface="Calibri"/>
+              <a:rPr b="0" lang="pt-BR" sz="2400" spc="-1" strike="noStrike">
+                <a:latin typeface="Arial"/>
               </a:rPr>
-              <a:t>3.º nível da </a:t>
+              <a:t>3.º nível da estrutura de tópicos</a:t>
             </a:r>
-            <a:r>
-              <a:rPr b="0" lang="pt-BR" sz="2300" spc="-1" strike="noStrike">
-                <a:solidFill>
-                  <a:srgbClr val="000000"/>
-                </a:solidFill>
-                <a:latin typeface="Calibri"/>
-              </a:rPr>
-              <a:t>estrutura de tópicos</a:t>
-            </a:r>
-            <a:endParaRPr b="0" lang="pt-BR" sz="2300" spc="-1" strike="noStrike">
-              <a:solidFill>
-                <a:srgbClr val="000000"/>
-              </a:solidFill>
-              <a:latin typeface="Calibri"/>
+            <a:endParaRPr b="0" lang="pt-BR" sz="2400" spc="-1" strike="noStrike">
+              <a:latin typeface="Arial"/>
             </a:endParaRPr>
           </a:p>
           <a:p>
@@ -8592,37 +8044,13 @@
               <a:buChar char=""/>
             </a:pPr>
             <a:r>
-              <a:rPr b="0" lang="pt-BR" sz="2300" spc="-1" strike="noStrike">
-                <a:solidFill>
-                  <a:srgbClr val="000000"/>
-                </a:solidFill>
-                <a:latin typeface="Calibri"/>
+              <a:rPr b="0" lang="pt-BR" sz="2000" spc="-1" strike="noStrike">
+                <a:latin typeface="Arial"/>
               </a:rPr>
-              <a:t>4.º nível da </a:t>
+              <a:t>4.º nível da estrutura de tópicos</a:t>
             </a:r>
-            <a:r>
-              <a:rPr b="0" lang="pt-BR" sz="2300" spc="-1" strike="noStrike">
-                <a:solidFill>
-                  <a:srgbClr val="000000"/>
-                </a:solidFill>
-                <a:latin typeface="Calibri"/>
-              </a:rPr>
-              <a:t>estrutura de </a:t>
-            </a:r>
-            <a:r>
-              <a:rPr b="0" lang="pt-BR" sz="2300" spc="-1" strike="noStrike">
-                <a:solidFill>
-                  <a:srgbClr val="000000"/>
-                </a:solidFill>
-                <a:latin typeface="Calibri"/>
-              </a:rPr>
-              <a:t>tópicos</a:t>
-            </a:r>
-            <a:endParaRPr b="0" lang="pt-BR" sz="2300" spc="-1" strike="noStrike">
-              <a:solidFill>
-                <a:srgbClr val="000000"/>
-              </a:solidFill>
-              <a:latin typeface="Calibri"/>
+            <a:endParaRPr b="0" lang="pt-BR" sz="2000" spc="-1" strike="noStrike">
+              <a:latin typeface="Arial"/>
             </a:endParaRPr>
           </a:p>
           <a:p>
@@ -8639,36 +8067,12 @@
             </a:pPr>
             <a:r>
               <a:rPr b="0" lang="pt-BR" sz="2000" spc="-1" strike="noStrike">
-                <a:solidFill>
-                  <a:srgbClr val="000000"/>
-                </a:solidFill>
-                <a:latin typeface="Calibri"/>
+                <a:latin typeface="Arial"/>
               </a:rPr>
-              <a:t>5.º nível da </a:t>
-            </a:r>
-            <a:r>
-              <a:rPr b="0" lang="pt-BR" sz="2000" spc="-1" strike="noStrike">
-                <a:solidFill>
-                  <a:srgbClr val="000000"/>
-                </a:solidFill>
-                <a:latin typeface="Calibri"/>
-              </a:rPr>
-              <a:t>estrutura de </a:t>
-            </a:r>
-            <a:r>
-              <a:rPr b="0" lang="pt-BR" sz="2000" spc="-1" strike="noStrike">
-                <a:solidFill>
-                  <a:srgbClr val="000000"/>
-                </a:solidFill>
-                <a:latin typeface="Calibri"/>
-              </a:rPr>
-              <a:t>tópicos</a:t>
+              <a:t>5.º nível da estrutura de tópicos</a:t>
             </a:r>
             <a:endParaRPr b="0" lang="pt-BR" sz="2000" spc="-1" strike="noStrike">
-              <a:solidFill>
-                <a:srgbClr val="000000"/>
-              </a:solidFill>
-              <a:latin typeface="Calibri"/>
+              <a:latin typeface="Arial"/>
             </a:endParaRPr>
           </a:p>
           <a:p>
@@ -8685,36 +8089,12 @@
             </a:pPr>
             <a:r>
               <a:rPr b="0" lang="pt-BR" sz="2000" spc="-1" strike="noStrike">
-                <a:solidFill>
-                  <a:srgbClr val="000000"/>
-                </a:solidFill>
-                <a:latin typeface="Calibri"/>
+                <a:latin typeface="Arial"/>
               </a:rPr>
-              <a:t>6.º nível da </a:t>
-            </a:r>
-            <a:r>
-              <a:rPr b="0" lang="pt-BR" sz="2000" spc="-1" strike="noStrike">
-                <a:solidFill>
-                  <a:srgbClr val="000000"/>
-                </a:solidFill>
-                <a:latin typeface="Calibri"/>
-              </a:rPr>
-              <a:t>estrutura de </a:t>
-            </a:r>
-            <a:r>
-              <a:rPr b="0" lang="pt-BR" sz="2000" spc="-1" strike="noStrike">
-                <a:solidFill>
-                  <a:srgbClr val="000000"/>
-                </a:solidFill>
-                <a:latin typeface="Calibri"/>
-              </a:rPr>
-              <a:t>tópicos</a:t>
+              <a:t>6.º nível da estrutura de tópicos</a:t>
             </a:r>
             <a:endParaRPr b="0" lang="pt-BR" sz="2000" spc="-1" strike="noStrike">
-              <a:solidFill>
-                <a:srgbClr val="000000"/>
-              </a:solidFill>
-              <a:latin typeface="Calibri"/>
+              <a:latin typeface="Arial"/>
             </a:endParaRPr>
           </a:p>
           <a:p>
@@ -8731,45 +8111,12 @@
             </a:pPr>
             <a:r>
               <a:rPr b="0" lang="pt-BR" sz="2000" spc="-1" strike="noStrike">
-                <a:solidFill>
-                  <a:srgbClr val="000000"/>
-                </a:solidFill>
-                <a:latin typeface="Calibri"/>
+                <a:latin typeface="Arial"/>
               </a:rPr>
-              <a:t>7.º nível </a:t>
-            </a:r>
-            <a:r>
-              <a:rPr b="0" lang="pt-BR" sz="2000" spc="-1" strike="noStrike">
-                <a:solidFill>
-                  <a:srgbClr val="000000"/>
-                </a:solidFill>
-                <a:latin typeface="Calibri"/>
-              </a:rPr>
-              <a:t>da </a:t>
-            </a:r>
-            <a:r>
-              <a:rPr b="0" lang="pt-BR" sz="2000" spc="-1" strike="noStrike">
-                <a:solidFill>
-                  <a:srgbClr val="000000"/>
-                </a:solidFill>
-                <a:latin typeface="Calibri"/>
-              </a:rPr>
-              <a:t>estrutura </a:t>
-            </a:r>
-            <a:r>
-              <a:rPr b="0" lang="pt-BR" sz="2000" spc="-1" strike="noStrike">
-                <a:solidFill>
-                  <a:srgbClr val="000000"/>
-                </a:solidFill>
-                <a:latin typeface="Calibri"/>
-              </a:rPr>
-              <a:t>de tópicos</a:t>
+              <a:t>7.º nível da estrutura de tópicos</a:t>
             </a:r>
             <a:endParaRPr b="0" lang="pt-BR" sz="2000" spc="-1" strike="noStrike">
-              <a:solidFill>
-                <a:srgbClr val="000000"/>
-              </a:solidFill>
-              <a:latin typeface="Calibri"/>
+              <a:latin typeface="Arial"/>
             </a:endParaRPr>
           </a:p>
         </p:txBody>
@@ -8850,14 +8197,14 @@
       </p:grpSpPr>
       <p:sp>
         <p:nvSpPr>
-          <p:cNvPr id="133" name="TextShape 1"/>
-          <p:cNvSpPr txBox="1"/>
+          <p:cNvPr id="130" name="CustomShape 1"/>
+          <p:cNvSpPr/>
           <p:nvPr/>
         </p:nvSpPr>
         <p:spPr>
           <a:xfrm>
             <a:off x="8136000" y="2952000"/>
-            <a:ext cx="4615560" cy="504000"/>
+            <a:ext cx="4615200" cy="503640"/>
           </a:xfrm>
           <a:prstGeom prst="rect">
             <a:avLst/>
@@ -8867,6 +8214,12 @@
             <a:noFill/>
           </a:ln>
         </p:spPr>
+        <p:style>
+          <a:lnRef idx="0"/>
+          <a:fillRef idx="0"/>
+          <a:effectRef idx="0"/>
+          <a:fontRef idx="minor"/>
+        </p:style>
         <p:txBody>
           <a:bodyPr lIns="90000" rIns="90000" tIns="45000" bIns="45000" anchor="b">
             <a:noAutofit/>
@@ -8883,11 +8236,8 @@
                 <a:tab algn="l" pos="0"/>
               </a:tabLst>
             </a:pPr>
-            <a:endParaRPr b="0" lang="pt-BR" sz="1200" spc="-1" strike="noStrike">
-              <a:solidFill>
-                <a:srgbClr val="000000"/>
-              </a:solidFill>
-              <a:latin typeface="Calibri"/>
+            <a:endParaRPr b="0" lang="pt-BR" sz="1800" spc="-1" strike="noStrike">
+              <a:latin typeface="Arial"/>
             </a:endParaRPr>
           </a:p>
           <a:p>
@@ -8902,11 +8252,8 @@
                 <a:tab algn="l" pos="0"/>
               </a:tabLst>
             </a:pPr>
-            <a:endParaRPr b="0" lang="pt-BR" sz="1200" spc="-1" strike="noStrike">
-              <a:solidFill>
-                <a:srgbClr val="000000"/>
-              </a:solidFill>
-              <a:latin typeface="Calibri"/>
+            <a:endParaRPr b="0" lang="pt-BR" sz="1800" spc="-1" strike="noStrike">
+              <a:latin typeface="Arial"/>
             </a:endParaRPr>
           </a:p>
           <a:p>
@@ -8932,24 +8279,21 @@
               <a:t>Reunião Semanal </a:t>
             </a:r>
             <a:endParaRPr b="0" lang="pt-BR" sz="3000" spc="-1" strike="noStrike">
-              <a:solidFill>
-                <a:srgbClr val="000000"/>
-              </a:solidFill>
-              <a:latin typeface="Calibri"/>
-            </a:endParaRPr>
-          </a:p>
-        </p:txBody>
-      </p:sp>
-      <p:sp>
-        <p:nvSpPr>
-          <p:cNvPr id="134" name="TextShape 2"/>
-          <p:cNvSpPr txBox="1"/>
+              <a:latin typeface="Arial"/>
+            </a:endParaRPr>
+          </a:p>
+        </p:txBody>
+      </p:sp>
+      <p:sp>
+        <p:nvSpPr>
+          <p:cNvPr id="131" name="CustomShape 2"/>
+          <p:cNvSpPr/>
           <p:nvPr/>
         </p:nvSpPr>
         <p:spPr>
           <a:xfrm>
             <a:off x="7704000" y="3454560"/>
-            <a:ext cx="5688000" cy="2377440"/>
+            <a:ext cx="5687640" cy="2377080"/>
           </a:xfrm>
           <a:prstGeom prst="rect">
             <a:avLst/>
@@ -8959,12 +8303,18 @@
             <a:noFill/>
           </a:ln>
         </p:spPr>
+        <p:style>
+          <a:lnRef idx="0"/>
+          <a:fillRef idx="0"/>
+          <a:effectRef idx="0"/>
+          <a:fontRef idx="minor"/>
+        </p:style>
         <p:txBody>
           <a:bodyPr lIns="90000" rIns="90000" tIns="45000" bIns="45000">
             <a:noAutofit/>
           </a:bodyPr>
           <a:p>
-            <a:pPr marL="432000" indent="-324000">
+            <a:pPr marL="432000" indent="-323640">
               <a:lnSpc>
                 <a:spcPct val="100000"/>
               </a:lnSpc>
@@ -8985,14 +8335,11 @@
               <a:t>Status Report do Projeto </a:t>
             </a:r>
             <a:endParaRPr b="0" lang="pt-BR" sz="2000" spc="-1" strike="noStrike">
-              <a:solidFill>
-                <a:srgbClr val="000000"/>
-              </a:solidFill>
-              <a:latin typeface="Calibri"/>
-            </a:endParaRPr>
-          </a:p>
-          <a:p>
-            <a:pPr marL="432000" indent="-324000">
+              <a:latin typeface="Arial"/>
+            </a:endParaRPr>
+          </a:p>
+          <a:p>
+            <a:pPr marL="432000" indent="-323640">
               <a:lnSpc>
                 <a:spcPct val="100000"/>
               </a:lnSpc>
@@ -9021,26 +8368,14 @@
                 <a:latin typeface="Exo 2"/>
                 <a:ea typeface="Noto Sans CJK SC"/>
               </a:rPr>
-              <a:t>Aplicação para combinar eventos culturais com pessoas próximas a localização do usuário em tempo real”</a:t>
-            </a:r>
-            <a:r>
-              <a:rPr b="0" lang="pt-BR" sz="2000" spc="-1" strike="noStrike">
-                <a:solidFill>
-                  <a:srgbClr val="ffffff"/>
-                </a:solidFill>
-                <a:latin typeface="Exo 2"/>
-              </a:rPr>
-              <a:t> </a:t>
+              <a:t>Aplicação para combinar eventos culturais com pessoas próximas a localização do usuário em tempo real” </a:t>
             </a:r>
             <a:endParaRPr b="0" lang="pt-BR" sz="2000" spc="-1" strike="noStrike">
-              <a:solidFill>
-                <a:srgbClr val="000000"/>
-              </a:solidFill>
-              <a:latin typeface="Calibri"/>
-            </a:endParaRPr>
-          </a:p>
-          <a:p>
-            <a:pPr marL="432000" indent="-324000">
+              <a:latin typeface="Arial"/>
+            </a:endParaRPr>
+          </a:p>
+          <a:p>
+            <a:pPr marL="432000" indent="-323640">
               <a:lnSpc>
                 <a:spcPct val="100000"/>
               </a:lnSpc>
@@ -9057,18 +8392,16 @@
                   <a:srgbClr val="ffffff"/>
                 </a:solidFill>
                 <a:latin typeface="Exo 2"/>
+                <a:ea typeface="Noto Sans CJK SC"/>
               </a:rPr>
               <a:t>Data:  10/08/2021</a:t>
             </a:r>
             <a:endParaRPr b="0" lang="pt-BR" sz="2000" spc="-1" strike="noStrike">
-              <a:solidFill>
-                <a:srgbClr val="000000"/>
-              </a:solidFill>
-              <a:latin typeface="Calibri"/>
-            </a:endParaRPr>
-          </a:p>
-          <a:p>
-            <a:pPr marL="432000" indent="-324000">
+              <a:latin typeface="Arial"/>
+            </a:endParaRPr>
+          </a:p>
+          <a:p>
+            <a:pPr marL="432000" indent="-323640">
               <a:lnSpc>
                 <a:spcPct val="100000"/>
               </a:lnSpc>
@@ -9085,18 +8418,16 @@
                   <a:srgbClr val="ffffff"/>
                 </a:solidFill>
                 <a:latin typeface="Exo 2"/>
+                <a:ea typeface="Noto Sans CJK SC"/>
               </a:rPr>
               <a:t>Professor: Leonardo Marques</a:t>
             </a:r>
             <a:endParaRPr b="0" lang="pt-BR" sz="2000" spc="-1" strike="noStrike">
-              <a:solidFill>
-                <a:srgbClr val="000000"/>
-              </a:solidFill>
-              <a:latin typeface="Calibri"/>
-            </a:endParaRPr>
-          </a:p>
-          <a:p>
-            <a:pPr marL="432000" indent="-324000">
+              <a:latin typeface="Arial"/>
+            </a:endParaRPr>
+          </a:p>
+          <a:p>
+            <a:pPr marL="432000" indent="-323640">
               <a:lnSpc>
                 <a:spcPct val="100000"/>
               </a:lnSpc>
@@ -9113,28 +8444,26 @@
                   <a:srgbClr val="ffffff"/>
                 </a:solidFill>
                 <a:latin typeface="Exo 2"/>
+                <a:ea typeface="Noto Sans CJK SC"/>
               </a:rPr>
               <a:t> </a:t>
             </a:r>
             <a:endParaRPr b="0" lang="pt-BR" sz="2000" spc="-1" strike="noStrike">
-              <a:solidFill>
-                <a:srgbClr val="000000"/>
-              </a:solidFill>
-              <a:latin typeface="Calibri"/>
-            </a:endParaRPr>
-          </a:p>
-        </p:txBody>
-      </p:sp>
-      <p:sp>
-        <p:nvSpPr>
-          <p:cNvPr id="135" name="TextShape 3"/>
-          <p:cNvSpPr txBox="1"/>
+              <a:latin typeface="Arial"/>
+            </a:endParaRPr>
+          </a:p>
+        </p:txBody>
+      </p:sp>
+      <p:sp>
+        <p:nvSpPr>
+          <p:cNvPr id="132" name="CustomShape 3"/>
+          <p:cNvSpPr/>
           <p:nvPr/>
         </p:nvSpPr>
         <p:spPr>
           <a:xfrm>
             <a:off x="361440" y="5256360"/>
-            <a:ext cx="3094560" cy="2159640"/>
+            <a:ext cx="3094200" cy="2159280"/>
           </a:xfrm>
           <a:prstGeom prst="rect">
             <a:avLst/>
@@ -9144,6 +8473,12 @@
             <a:noFill/>
           </a:ln>
         </p:spPr>
+        <p:style>
+          <a:lnRef idx="0"/>
+          <a:fillRef idx="0"/>
+          <a:effectRef idx="0"/>
+          <a:fontRef idx="minor"/>
+        </p:style>
         <p:txBody>
           <a:bodyPr lIns="90000" rIns="90000" tIns="45000" bIns="45000">
             <a:noAutofit/>
@@ -9185,6 +8520,14 @@
             </a:endParaRPr>
           </a:p>
           <a:p>
+            <a:pPr>
+              <a:lnSpc>
+                <a:spcPct val="100000"/>
+              </a:lnSpc>
+              <a:tabLst>
+                <a:tab algn="l" pos="0"/>
+              </a:tabLst>
+            </a:pPr>
             <a:r>
               <a:rPr b="0" lang="pt-BR" sz="2000" spc="-1" strike="noStrike">
                 <a:solidFill>
@@ -9200,6 +8543,14 @@
             </a:endParaRPr>
           </a:p>
           <a:p>
+            <a:pPr>
+              <a:lnSpc>
+                <a:spcPct val="100000"/>
+              </a:lnSpc>
+              <a:tabLst>
+                <a:tab algn="l" pos="0"/>
+              </a:tabLst>
+            </a:pPr>
             <a:r>
               <a:rPr b="0" lang="pt-BR" sz="2000" spc="-1" strike="noStrike">
                 <a:solidFill>
@@ -9215,6 +8566,14 @@
             </a:endParaRPr>
           </a:p>
           <a:p>
+            <a:pPr>
+              <a:lnSpc>
+                <a:spcPct val="100000"/>
+              </a:lnSpc>
+              <a:tabLst>
+                <a:tab algn="l" pos="0"/>
+              </a:tabLst>
+            </a:pPr>
             <a:r>
               <a:rPr b="0" lang="pt-BR" sz="2000" spc="-1" strike="noStrike">
                 <a:solidFill>
@@ -9230,6 +8589,14 @@
             </a:endParaRPr>
           </a:p>
           <a:p>
+            <a:pPr>
+              <a:lnSpc>
+                <a:spcPct val="100000"/>
+              </a:lnSpc>
+              <a:tabLst>
+                <a:tab algn="l" pos="0"/>
+              </a:tabLst>
+            </a:pPr>
             <a:r>
               <a:rPr b="0" lang="pt-BR" sz="2000" spc="-1" strike="noStrike">
                 <a:solidFill>
@@ -9245,6 +8612,14 @@
             </a:endParaRPr>
           </a:p>
           <a:p>
+            <a:pPr>
+              <a:lnSpc>
+                <a:spcPct val="100000"/>
+              </a:lnSpc>
+              <a:tabLst>
+                <a:tab algn="l" pos="0"/>
+              </a:tabLst>
+            </a:pPr>
             <a:r>
               <a:rPr b="0" lang="pt-BR" sz="2000" spc="-1" strike="noStrike">
                 <a:solidFill>
@@ -9260,6 +8635,14 @@
             </a:endParaRPr>
           </a:p>
           <a:p>
+            <a:pPr>
+              <a:lnSpc>
+                <a:spcPct val="100000"/>
+              </a:lnSpc>
+              <a:tabLst>
+                <a:tab algn="l" pos="0"/>
+              </a:tabLst>
+            </a:pPr>
             <a:r>
               <a:rPr b="0" lang="pt-BR" sz="2000" spc="-1" strike="noStrike">
                 <a:solidFill>
@@ -9308,14 +8691,14 @@
       </p:grpSpPr>
       <p:sp>
         <p:nvSpPr>
-          <p:cNvPr id="136" name="CustomShape 1"/>
+          <p:cNvPr id="133" name="CustomShape 1"/>
           <p:cNvSpPr/>
           <p:nvPr/>
         </p:nvSpPr>
         <p:spPr>
           <a:xfrm>
             <a:off x="6804720" y="1106640"/>
-            <a:ext cx="6209280" cy="2235600"/>
+            <a:ext cx="6208920" cy="2235240"/>
           </a:xfrm>
           <a:prstGeom prst="rect">
             <a:avLst/>
@@ -9345,14 +8728,14 @@
       </p:sp>
       <p:sp>
         <p:nvSpPr>
-          <p:cNvPr id="137" name="TextShape 2"/>
-          <p:cNvSpPr txBox="1"/>
+          <p:cNvPr id="134" name="CustomShape 2"/>
+          <p:cNvSpPr/>
           <p:nvPr/>
         </p:nvSpPr>
         <p:spPr>
           <a:xfrm>
             <a:off x="469800" y="185400"/>
-            <a:ext cx="12097800" cy="799920"/>
+            <a:ext cx="12097440" cy="799560"/>
           </a:xfrm>
           <a:prstGeom prst="rect">
             <a:avLst/>
@@ -9362,6 +8745,12 @@
             <a:noFill/>
           </a:ln>
         </p:spPr>
+        <p:style>
+          <a:lnRef idx="0"/>
+          <a:fillRef idx="0"/>
+          <a:effectRef idx="0"/>
+          <a:fontRef idx="minor"/>
+        </p:style>
         <p:txBody>
           <a:bodyPr lIns="105840" rIns="105840" tIns="0" bIns="0">
             <a:noAutofit/>
@@ -9385,24 +8774,21 @@
               <a:t>SEMANA 1 – 10/08/2021</a:t>
             </a:r>
             <a:endParaRPr b="0" lang="pt-BR" sz="2650" spc="-1" strike="noStrike">
-              <a:solidFill>
-                <a:srgbClr val="000000"/>
-              </a:solidFill>
-              <a:latin typeface="Calibri"/>
-            </a:endParaRPr>
-          </a:p>
-        </p:txBody>
-      </p:sp>
-      <p:sp>
-        <p:nvSpPr>
-          <p:cNvPr id="138" name="CustomShape 3"/>
+              <a:latin typeface="Arial"/>
+            </a:endParaRPr>
+          </a:p>
+        </p:txBody>
+      </p:sp>
+      <p:sp>
+        <p:nvSpPr>
+          <p:cNvPr id="135" name="CustomShape 3"/>
           <p:cNvSpPr/>
           <p:nvPr/>
         </p:nvSpPr>
         <p:spPr>
           <a:xfrm>
             <a:off x="11822760" y="576360"/>
-            <a:ext cx="899280" cy="179640"/>
+            <a:ext cx="898920" cy="179280"/>
           </a:xfrm>
           <a:prstGeom prst="rect">
             <a:avLst/>
@@ -9440,6 +8826,7 @@
                   <a:srgbClr val="000000"/>
                 </a:solidFill>
                 <a:latin typeface="Exo 2 Medium"/>
+                <a:ea typeface="DejaVu Sans"/>
               </a:rPr>
               <a:t>Negócios</a:t>
             </a:r>
@@ -9451,14 +8838,14 @@
       </p:sp>
       <p:sp>
         <p:nvSpPr>
-          <p:cNvPr id="139" name="CustomShape 4"/>
+          <p:cNvPr id="136" name="CustomShape 4"/>
           <p:cNvSpPr/>
           <p:nvPr/>
         </p:nvSpPr>
         <p:spPr>
           <a:xfrm>
             <a:off x="11193840" y="298080"/>
-            <a:ext cx="210960" cy="211320"/>
+            <a:ext cx="210600" cy="210960"/>
           </a:xfrm>
           <a:prstGeom prst="ellipse">
             <a:avLst/>
@@ -9490,14 +8877,14 @@
       </p:sp>
       <p:sp>
         <p:nvSpPr>
-          <p:cNvPr id="140" name="CustomShape 5"/>
+          <p:cNvPr id="137" name="CustomShape 5"/>
           <p:cNvSpPr/>
           <p:nvPr/>
         </p:nvSpPr>
         <p:spPr>
           <a:xfrm>
             <a:off x="10852560" y="576360"/>
-            <a:ext cx="899280" cy="179640"/>
+            <a:ext cx="898920" cy="179280"/>
           </a:xfrm>
           <a:prstGeom prst="rect">
             <a:avLst/>
@@ -9535,6 +8922,7 @@
                   <a:srgbClr val="000000"/>
                 </a:solidFill>
                 <a:latin typeface="Exo 2 Medium"/>
+                <a:ea typeface="DejaVu Sans"/>
               </a:rPr>
               <a:t>Plataforma</a:t>
             </a:r>
@@ -9546,14 +8934,14 @@
       </p:sp>
       <p:sp>
         <p:nvSpPr>
-          <p:cNvPr id="141" name="CustomShape 6"/>
+          <p:cNvPr id="138" name="CustomShape 6"/>
           <p:cNvSpPr/>
           <p:nvPr/>
         </p:nvSpPr>
         <p:spPr>
           <a:xfrm>
             <a:off x="9854280" y="576360"/>
-            <a:ext cx="899280" cy="179640"/>
+            <a:ext cx="898920" cy="179280"/>
           </a:xfrm>
           <a:prstGeom prst="rect">
             <a:avLst/>
@@ -9591,6 +8979,7 @@
                   <a:srgbClr val="000000"/>
                 </a:solidFill>
                 <a:latin typeface="Exo 2 Medium"/>
+                <a:ea typeface="DejaVu Sans"/>
               </a:rPr>
               <a:t>Back</a:t>
             </a:r>
@@ -9602,14 +8991,14 @@
       </p:sp>
       <p:sp>
         <p:nvSpPr>
-          <p:cNvPr id="142" name="CustomShape 7"/>
+          <p:cNvPr id="139" name="CustomShape 7"/>
           <p:cNvSpPr/>
           <p:nvPr/>
         </p:nvSpPr>
         <p:spPr>
           <a:xfrm>
             <a:off x="8888760" y="576360"/>
-            <a:ext cx="899280" cy="179640"/>
+            <a:ext cx="898920" cy="179280"/>
           </a:xfrm>
           <a:prstGeom prst="rect">
             <a:avLst/>
@@ -9647,6 +9036,7 @@
                   <a:srgbClr val="000000"/>
                 </a:solidFill>
                 <a:latin typeface="Exo 2 Medium"/>
+                <a:ea typeface="DejaVu Sans"/>
               </a:rPr>
               <a:t>Front</a:t>
             </a:r>
@@ -9658,14 +9048,14 @@
       </p:sp>
       <p:sp>
         <p:nvSpPr>
-          <p:cNvPr id="143" name="CustomShape 8"/>
+          <p:cNvPr id="140" name="CustomShape 8"/>
           <p:cNvSpPr/>
           <p:nvPr/>
         </p:nvSpPr>
         <p:spPr>
           <a:xfrm>
             <a:off x="8443440" y="298080"/>
-            <a:ext cx="210960" cy="211320"/>
+            <a:ext cx="210600" cy="210960"/>
           </a:xfrm>
           <a:prstGeom prst="ellipse">
             <a:avLst/>
@@ -9697,14 +9087,14 @@
       </p:sp>
       <p:sp>
         <p:nvSpPr>
-          <p:cNvPr id="144" name="CustomShape 9"/>
+          <p:cNvPr id="141" name="CustomShape 9"/>
           <p:cNvSpPr/>
           <p:nvPr/>
         </p:nvSpPr>
         <p:spPr>
           <a:xfrm>
             <a:off x="8125920" y="576360"/>
-            <a:ext cx="899280" cy="179640"/>
+            <a:ext cx="898920" cy="179280"/>
           </a:xfrm>
           <a:prstGeom prst="rect">
             <a:avLst/>
@@ -9742,6 +9132,7 @@
                   <a:srgbClr val="000000"/>
                 </a:solidFill>
                 <a:latin typeface="Exo 2 Medium"/>
+                <a:ea typeface="DejaVu Sans"/>
               </a:rPr>
               <a:t>Equipe</a:t>
             </a:r>
@@ -9753,14 +9144,14 @@
       </p:sp>
       <p:sp>
         <p:nvSpPr>
-          <p:cNvPr id="145" name="CustomShape 10"/>
+          <p:cNvPr id="142" name="CustomShape 10"/>
           <p:cNvSpPr/>
           <p:nvPr/>
         </p:nvSpPr>
         <p:spPr>
           <a:xfrm>
             <a:off x="512640" y="868320"/>
-            <a:ext cx="6186240" cy="237960"/>
+            <a:ext cx="6185880" cy="237600"/>
           </a:xfrm>
           <a:prstGeom prst="rect">
             <a:avLst/>
@@ -9808,14 +9199,14 @@
       </p:sp>
       <p:sp>
         <p:nvSpPr>
-          <p:cNvPr id="146" name="CustomShape 11"/>
+          <p:cNvPr id="143" name="CustomShape 11"/>
           <p:cNvSpPr/>
           <p:nvPr/>
         </p:nvSpPr>
         <p:spPr>
           <a:xfrm>
             <a:off x="6814440" y="868320"/>
-            <a:ext cx="6194520" cy="237960"/>
+            <a:ext cx="6194160" cy="237600"/>
           </a:xfrm>
           <a:prstGeom prst="rect">
             <a:avLst/>
@@ -9863,14 +9254,14 @@
       </p:sp>
       <p:sp>
         <p:nvSpPr>
-          <p:cNvPr id="147" name="CustomShape 12"/>
+          <p:cNvPr id="144" name="CustomShape 12"/>
           <p:cNvSpPr/>
           <p:nvPr/>
         </p:nvSpPr>
         <p:spPr>
           <a:xfrm>
             <a:off x="507600" y="3418920"/>
-            <a:ext cx="12505320" cy="237960"/>
+            <a:ext cx="12504960" cy="237600"/>
           </a:xfrm>
           <a:prstGeom prst="rect">
             <a:avLst/>
@@ -9918,14 +9309,14 @@
       </p:sp>
       <p:sp>
         <p:nvSpPr>
-          <p:cNvPr id="148" name="CustomShape 13"/>
+          <p:cNvPr id="145" name="CustomShape 13"/>
           <p:cNvSpPr/>
           <p:nvPr/>
         </p:nvSpPr>
         <p:spPr>
           <a:xfrm>
             <a:off x="496800" y="1106640"/>
-            <a:ext cx="6207480" cy="2235600"/>
+            <a:ext cx="6207120" cy="2235240"/>
           </a:xfrm>
           <a:prstGeom prst="rect">
             <a:avLst/>
@@ -9957,7 +9348,7 @@
             <a:noAutofit/>
           </a:bodyPr>
           <a:p>
-            <a:pPr marL="252000" indent="-251640">
+            <a:pPr marL="252000" indent="-251280">
               <a:lnSpc>
                 <a:spcPct val="100000"/>
               </a:lnSpc>
@@ -9973,6 +9364,7 @@
                   <a:srgbClr val="000000"/>
                 </a:solidFill>
                 <a:latin typeface="Exo 2 Medium"/>
+                <a:ea typeface="DejaVu Sans"/>
               </a:rPr>
               <a:t>Criação do contexto de negócio #Dylan</a:t>
             </a:r>
@@ -9981,7 +9373,7 @@
             </a:endParaRPr>
           </a:p>
           <a:p>
-            <a:pPr marL="252000" indent="-251640">
+            <a:pPr marL="252000" indent="-251280">
               <a:lnSpc>
                 <a:spcPct val="100000"/>
               </a:lnSpc>
@@ -9997,6 +9389,7 @@
                   <a:srgbClr val="000000"/>
                 </a:solidFill>
                 <a:latin typeface="Exo 2 Medium"/>
+                <a:ea typeface="DejaVu Sans"/>
               </a:rPr>
               <a:t>Criação do contexto do projeto e justificativa #Guilherme</a:t>
             </a:r>
@@ -10005,7 +9398,7 @@
             </a:endParaRPr>
           </a:p>
           <a:p>
-            <a:pPr marL="252000" indent="-251640">
+            <a:pPr marL="252000" indent="-251280">
               <a:lnSpc>
                 <a:spcPct val="100000"/>
               </a:lnSpc>
@@ -10021,6 +9414,7 @@
                   <a:srgbClr val="000000"/>
                 </a:solidFill>
                 <a:latin typeface="Exo 2 Medium"/>
+                <a:ea typeface="DejaVu Sans"/>
               </a:rPr>
               <a:t>Conta Github # Felipe Kling </a:t>
             </a:r>
@@ -10029,7 +9423,7 @@
             </a:endParaRPr>
           </a:p>
           <a:p>
-            <a:pPr marL="252000" indent="-251640">
+            <a:pPr marL="252000" indent="-251280">
               <a:lnSpc>
                 <a:spcPct val="100000"/>
               </a:lnSpc>
@@ -10045,6 +9439,7 @@
                   <a:srgbClr val="000000"/>
                 </a:solidFill>
                 <a:latin typeface="Exo 2 Medium"/>
+                <a:ea typeface="DejaVu Sans"/>
               </a:rPr>
               <a:t>Definição das Personas(Contexto de negócio) # Dylan</a:t>
             </a:r>
@@ -10053,7 +9448,7 @@
             </a:endParaRPr>
           </a:p>
           <a:p>
-            <a:pPr marL="252000" indent="-251640">
+            <a:pPr marL="252000" indent="-251280">
               <a:lnSpc>
                 <a:spcPct val="100000"/>
               </a:lnSpc>
@@ -10069,6 +9464,7 @@
                   <a:srgbClr val="000000"/>
                 </a:solidFill>
                 <a:latin typeface="Exo 2 Medium"/>
+                <a:ea typeface="DejaVu Sans"/>
               </a:rPr>
               <a:t>Ferramenta de gestão de projetos #André</a:t>
             </a:r>
@@ -10077,7 +9473,7 @@
             </a:endParaRPr>
           </a:p>
           <a:p>
-            <a:pPr marL="252000" indent="-251640">
+            <a:pPr marL="252000" indent="-251280">
               <a:lnSpc>
                 <a:spcPct val="100000"/>
               </a:lnSpc>
@@ -10093,6 +9489,7 @@
                   <a:srgbClr val="000000"/>
                 </a:solidFill>
                 <a:latin typeface="Exo 2 Medium"/>
+                <a:ea typeface="DejaVu Sans"/>
               </a:rPr>
               <a:t>Conta do Figma criada # André</a:t>
             </a:r>
@@ -10101,7 +9498,7 @@
             </a:endParaRPr>
           </a:p>
           <a:p>
-            <a:pPr marL="252000" indent="-251640">
+            <a:pPr marL="252000" indent="-251280">
               <a:lnSpc>
                 <a:spcPct val="100000"/>
               </a:lnSpc>
@@ -10117,6 +9514,7 @@
                   <a:srgbClr val="000000"/>
                 </a:solidFill>
                 <a:latin typeface="Exo 2 Medium"/>
+                <a:ea typeface="DejaVu Sans"/>
               </a:rPr>
               <a:t>Product Backlog # Grupo</a:t>
             </a:r>
@@ -10158,14 +9556,14 @@
       </p:sp>
       <p:sp>
         <p:nvSpPr>
-          <p:cNvPr id="149" name="CustomShape 14"/>
+          <p:cNvPr id="146" name="CustomShape 14"/>
           <p:cNvSpPr/>
           <p:nvPr/>
         </p:nvSpPr>
         <p:spPr>
           <a:xfrm>
             <a:off x="6845040" y="1121760"/>
-            <a:ext cx="6163920" cy="694440"/>
+            <a:ext cx="6163560" cy="694080"/>
           </a:xfrm>
           <a:prstGeom prst="rect">
             <a:avLst/>
@@ -10184,13 +9582,13 @@
       </p:sp>
       <p:graphicFrame>
         <p:nvGraphicFramePr>
-          <p:cNvPr id="150" name="Table 15"/>
+          <p:cNvPr id="147" name="Table 15"/>
           <p:cNvGraphicFramePr/>
           <p:nvPr/>
         </p:nvGraphicFramePr>
         <p:xfrm>
           <a:off x="678600" y="3801600"/>
-          <a:ext cx="12495240" cy="2103840"/>
+          <a:ext cx="12495240" cy="4207320"/>
         </p:xfrm>
         <a:graphic>
           <a:graphicData uri="http://schemas.openxmlformats.org/drawingml/2006/table">
@@ -10322,7 +9720,7 @@
                       <a:noAutofit/>
                     </a:bodyPr>
                     <a:p>
-                      <a:pPr lvl="1" indent="-251640">
+                      <a:pPr lvl="1" marL="432000" indent="-251280">
                         <a:lnSpc>
                           <a:spcPct val="100000"/>
                         </a:lnSpc>
@@ -10355,7 +9753,7 @@
                       </a:endParaRPr>
                     </a:p>
                     <a:p>
-                      <a:pPr lvl="1" indent="-251640">
+                      <a:pPr lvl="1" marL="432000" indent="-251280">
                         <a:lnSpc>
                           <a:spcPct val="100000"/>
                         </a:lnSpc>
@@ -10379,7 +9777,7 @@
                       </a:endParaRPr>
                     </a:p>
                     <a:p>
-                      <a:pPr lvl="1" indent="-251640">
+                      <a:pPr lvl="1" marL="432000" indent="-251280">
                         <a:lnSpc>
                           <a:spcPct val="100000"/>
                         </a:lnSpc>
@@ -10450,7 +9848,7 @@
                       </a:endParaRPr>
                     </a:p>
                     <a:p>
-                      <a:pPr lvl="1" indent="-251640">
+                      <a:pPr lvl="1" marL="432000" indent="-251280">
                         <a:lnSpc>
                           <a:spcPct val="100000"/>
                         </a:lnSpc>
@@ -10474,7 +9872,7 @@
                       </a:endParaRPr>
                     </a:p>
                     <a:p>
-                      <a:pPr lvl="1" indent="-251640">
+                      <a:pPr lvl="1" marL="432000" indent="-251280">
                         <a:lnSpc>
                           <a:spcPct val="100000"/>
                         </a:lnSpc>
@@ -10498,7 +9896,7 @@
                       </a:endParaRPr>
                     </a:p>
                     <a:p>
-                      <a:pPr lvl="1" indent="-251640">
+                      <a:pPr lvl="1" marL="432000" indent="-251280">
                         <a:lnSpc>
                           <a:spcPct val="100000"/>
                         </a:lnSpc>
@@ -10522,7 +9920,7 @@
                       </a:endParaRPr>
                     </a:p>
                     <a:p>
-                      <a:pPr lvl="1" indent="-251640">
+                      <a:pPr lvl="1" marL="432000" indent="-251280">
                         <a:lnSpc>
                           <a:spcPct val="100000"/>
                         </a:lnSpc>
@@ -10546,7 +9944,7 @@
                       </a:endParaRPr>
                     </a:p>
                     <a:p>
-                      <a:pPr lvl="1" indent="-251640">
+                      <a:pPr lvl="1" marL="432000" indent="-251280">
                         <a:lnSpc>
                           <a:spcPct val="100000"/>
                         </a:lnSpc>
@@ -10564,6 +9962,30 @@
                           <a:latin typeface="Exo 2 Medium"/>
                         </a:rPr>
                         <a:t>-Diagrama de Banco de Dados # Kling</a:t>
+                      </a:r>
+                      <a:endParaRPr b="0" lang="pt-BR" sz="1320" spc="-1" strike="noStrike">
+                        <a:latin typeface="Arial"/>
+                      </a:endParaRPr>
+                    </a:p>
+                    <a:p>
+                      <a:pPr lvl="1" marL="432000" indent="-251280">
+                        <a:lnSpc>
+                          <a:spcPct val="100000"/>
+                        </a:lnSpc>
+                        <a:buClr>
+                          <a:srgbClr val="000000"/>
+                        </a:buClr>
+                        <a:buFont typeface="Wingdings" charset="2"/>
+                        <a:buChar char=""/>
+                      </a:pPr>
+                      <a:r>
+                        <a:rPr b="0" lang="pt-BR" sz="1320" spc="-1" strike="noStrike">
+                          <a:solidFill>
+                            <a:srgbClr val="000000"/>
+                          </a:solidFill>
+                          <a:latin typeface="Exo 2 Medium"/>
+                        </a:rPr>
+                        <a:t>Visita virtual a uma empresa #Grupo</a:t>
                       </a:r>
                       <a:endParaRPr b="0" lang="pt-BR" sz="1320" spc="-1" strike="noStrike">
                         <a:latin typeface="Arial"/>
@@ -10598,14 +10020,14 @@
       </p:graphicFrame>
       <p:sp>
         <p:nvSpPr>
-          <p:cNvPr id="151" name="CustomShape 16"/>
+          <p:cNvPr id="148" name="CustomShape 16"/>
           <p:cNvSpPr/>
           <p:nvPr/>
         </p:nvSpPr>
         <p:spPr>
           <a:xfrm>
             <a:off x="9226080" y="298080"/>
-            <a:ext cx="210960" cy="211320"/>
+            <a:ext cx="210600" cy="210960"/>
           </a:xfrm>
           <a:prstGeom prst="ellipse">
             <a:avLst/>
@@ -10637,14 +10059,14 @@
       </p:sp>
       <p:sp>
         <p:nvSpPr>
-          <p:cNvPr id="152" name="CustomShape 17"/>
+          <p:cNvPr id="149" name="CustomShape 17"/>
           <p:cNvSpPr/>
           <p:nvPr/>
         </p:nvSpPr>
         <p:spPr>
           <a:xfrm>
             <a:off x="12156120" y="298080"/>
-            <a:ext cx="210960" cy="211320"/>
+            <a:ext cx="210600" cy="210960"/>
           </a:xfrm>
           <a:prstGeom prst="ellipse">
             <a:avLst/>
@@ -10676,14 +10098,14 @@
       </p:sp>
       <p:sp>
         <p:nvSpPr>
-          <p:cNvPr id="153" name="CustomShape 18"/>
+          <p:cNvPr id="150" name="CustomShape 18"/>
           <p:cNvSpPr/>
           <p:nvPr/>
         </p:nvSpPr>
         <p:spPr>
           <a:xfrm>
             <a:off x="10188000" y="298080"/>
-            <a:ext cx="210960" cy="211320"/>
+            <a:ext cx="210600" cy="210960"/>
           </a:xfrm>
           <a:prstGeom prst="ellipse">
             <a:avLst/>
@@ -10715,14 +10137,14 @@
       </p:sp>
       <p:sp>
         <p:nvSpPr>
-          <p:cNvPr id="154" name="CustomShape 19"/>
+          <p:cNvPr id="151" name="CustomShape 19"/>
           <p:cNvSpPr/>
           <p:nvPr/>
         </p:nvSpPr>
         <p:spPr>
           <a:xfrm>
             <a:off x="8017560" y="209520"/>
-            <a:ext cx="4937400" cy="618480"/>
+            <a:ext cx="4937040" cy="618120"/>
           </a:xfrm>
           <a:prstGeom prst="rect">
             <a:avLst/>
@@ -10754,14 +10176,14 @@
       </p:sp>
       <p:sp>
         <p:nvSpPr>
-          <p:cNvPr id="155" name="CustomShape 20"/>
+          <p:cNvPr id="152" name="CustomShape 20"/>
           <p:cNvSpPr/>
           <p:nvPr/>
         </p:nvSpPr>
         <p:spPr>
           <a:xfrm>
             <a:off x="9715680" y="51480"/>
-            <a:ext cx="1477800" cy="211320"/>
+            <a:ext cx="1477440" cy="210960"/>
           </a:xfrm>
           <a:prstGeom prst="rect">
             <a:avLst/>
@@ -10801,6 +10223,7 @@
                   <a:srgbClr val="000000"/>
                 </a:solidFill>
                 <a:latin typeface="Exo 2 Medium"/>
+                <a:ea typeface="DejaVu Sans"/>
               </a:rPr>
               <a:t>    </a:t>
             </a:r>
@@ -10810,6 +10233,7 @@
                   <a:srgbClr val="000000"/>
                 </a:solidFill>
                 <a:latin typeface="Exo 2 Medium"/>
+                <a:ea typeface="DejaVu Sans"/>
               </a:rPr>
               <a:t>Farol do Projeto   </a:t>
             </a:r>
@@ -10821,14 +10245,14 @@
       </p:sp>
       <p:sp>
         <p:nvSpPr>
-          <p:cNvPr id="156" name="TextShape 21"/>
-          <p:cNvSpPr txBox="1"/>
+          <p:cNvPr id="153" name="CustomShape 21"/>
+          <p:cNvSpPr/>
           <p:nvPr/>
         </p:nvSpPr>
         <p:spPr>
           <a:xfrm>
             <a:off x="6912000" y="1158480"/>
-            <a:ext cx="5667120" cy="657720"/>
+            <a:ext cx="5666760" cy="657360"/>
           </a:xfrm>
           <a:prstGeom prst="rect">
             <a:avLst/>
@@ -10838,11 +10262,22 @@
             <a:noFill/>
           </a:ln>
         </p:spPr>
+        <p:style>
+          <a:lnRef idx="0"/>
+          <a:fillRef idx="0"/>
+          <a:effectRef idx="0"/>
+          <a:fontRef idx="minor"/>
+        </p:style>
         <p:txBody>
           <a:bodyPr lIns="90000" rIns="90000" tIns="45000" bIns="45000">
             <a:noAutofit/>
           </a:bodyPr>
           <a:p>
+            <a:pPr>
+              <a:lnSpc>
+                <a:spcPct val="100000"/>
+              </a:lnSpc>
+            </a:pPr>
             <a:r>
               <a:rPr b="1" lang="pt-BR" sz="1330" spc="-1" strike="noStrike">
                 <a:solidFill>
@@ -10857,6 +10292,11 @@
             </a:endParaRPr>
           </a:p>
           <a:p>
+            <a:pPr>
+              <a:lnSpc>
+                <a:spcPct val="100000"/>
+              </a:lnSpc>
+            </a:pPr>
             <a:r>
               <a:rPr b="1" lang="pt-BR" sz="1330" spc="-1" strike="noStrike">
                 <a:solidFill>
